--- a/cs1530.pptx
+++ b/cs1530.pptx
@@ -10,10 +10,13 @@
     <p:sldId id="259" r:id="rId4"/>
     <p:sldId id="264" r:id="rId5"/>
     <p:sldId id="260" r:id="rId6"/>
-    <p:sldId id="261" r:id="rId7"/>
-    <p:sldId id="262" r:id="rId8"/>
-    <p:sldId id="263" r:id="rId9"/>
-    <p:sldId id="265" r:id="rId10"/>
+    <p:sldId id="266" r:id="rId7"/>
+    <p:sldId id="267" r:id="rId8"/>
+    <p:sldId id="268" r:id="rId9"/>
+    <p:sldId id="261" r:id="rId10"/>
+    <p:sldId id="262" r:id="rId11"/>
+    <p:sldId id="263" r:id="rId12"/>
+    <p:sldId id="265" r:id="rId13"/>
   </p:sldIdLst>
   <p:sldSz cx="9144000" cy="6858000" type="screen4x3"/>
   <p:notesSz cx="6858000" cy="9144000"/>
@@ -112,6 +115,22 @@
       </a:defRPr>
     </a:lvl9pPr>
   </p:defaultTextStyle>
+  <p:extLst>
+    <p:ext uri="{EFAFB233-063F-42B5-8137-9DF3F51BA10A}">
+      <p15:sldGuideLst xmlns:p15="http://schemas.microsoft.com/office/powerpoint/2012/main">
+        <p15:guide id="1" orient="horz" pos="2160">
+          <p15:clr>
+            <a:srgbClr val="A4A3A4"/>
+          </p15:clr>
+        </p15:guide>
+        <p15:guide id="2" pos="2880">
+          <p15:clr>
+            <a:srgbClr val="A4A3A4"/>
+          </p15:clr>
+        </p15:guide>
+      </p15:sldGuideLst>
+    </p:ext>
+  </p:extLst>
 </p:presentation>
 </file>
 
@@ -348,7 +367,7 @@
           <a:p>
             <a:fld id="{2DF66AD8-BC4A-4004-9882-414398D930CA}" type="datetimeFigureOut">
               <a:rPr lang="en-US" smtClean="0"/>
-              <a:t>12/8/15</a:t>
+              <a:t>12/10/2015</a:t>
             </a:fld>
             <a:endParaRPr lang="en-US"/>
           </a:p>
@@ -493,7 +512,7 @@
           <a:p>
             <a:fld id="{2DF66AD8-BC4A-4004-9882-414398D930CA}" type="datetimeFigureOut">
               <a:rPr lang="en-US" smtClean="0"/>
-              <a:t>12/8/15</a:t>
+              <a:t>12/10/2015</a:t>
             </a:fld>
             <a:endParaRPr lang="en-US"/>
           </a:p>
@@ -1062,7 +1081,7 @@
           <a:p>
             <a:fld id="{2DF66AD8-BC4A-4004-9882-414398D930CA}" type="datetimeFigureOut">
               <a:rPr lang="en-US" smtClean="0"/>
-              <a:t>12/8/15</a:t>
+              <a:t>12/10/2015</a:t>
             </a:fld>
             <a:endParaRPr lang="en-US"/>
           </a:p>
@@ -1514,7 +1533,7 @@
           <a:p>
             <a:fld id="{2DF66AD8-BC4A-4004-9882-414398D930CA}" type="datetimeFigureOut">
               <a:rPr lang="en-US" smtClean="0"/>
-              <a:t>12/8/15</a:t>
+              <a:t>12/10/2015</a:t>
             </a:fld>
             <a:endParaRPr lang="en-US"/>
           </a:p>
@@ -1604,7 +1623,7 @@
           <a:p>
             <a:fld id="{2DF66AD8-BC4A-4004-9882-414398D930CA}" type="datetimeFigureOut">
               <a:rPr lang="en-US" smtClean="0"/>
-              <a:t>12/8/15</a:t>
+              <a:t>12/10/2015</a:t>
             </a:fld>
             <a:endParaRPr lang="en-US"/>
           </a:p>
@@ -1910,7 +1929,7 @@
           <a:p>
             <a:fld id="{2DF66AD8-BC4A-4004-9882-414398D930CA}" type="datetimeFigureOut">
               <a:rPr lang="en-US" smtClean="0"/>
-              <a:t>12/8/15</a:t>
+              <a:t>12/10/2015</a:t>
             </a:fld>
             <a:endParaRPr lang="en-US"/>
           </a:p>
@@ -2103,7 +2122,7 @@
           <a:p>
             <a:fld id="{2DF66AD8-BC4A-4004-9882-414398D930CA}" type="datetimeFigureOut">
               <a:rPr lang="en-US" smtClean="0"/>
-              <a:t>12/8/15</a:t>
+              <a:t>12/10/2015</a:t>
             </a:fld>
             <a:endParaRPr lang="en-US"/>
           </a:p>
@@ -2845,7 +2864,7 @@
           <a:p>
             <a:fld id="{2DF66AD8-BC4A-4004-9882-414398D930CA}" type="datetimeFigureOut">
               <a:rPr lang="en-US" smtClean="0"/>
-              <a:t>12/8/15</a:t>
+              <a:t>12/10/2015</a:t>
             </a:fld>
             <a:endParaRPr lang="en-US"/>
           </a:p>
@@ -3183,7 +3202,7 @@
           <a:p>
             <a:fld id="{2DF66AD8-BC4A-4004-9882-414398D930CA}" type="datetimeFigureOut">
               <a:rPr lang="en-US" smtClean="0"/>
-              <a:t>12/8/15</a:t>
+              <a:t>12/10/2015</a:t>
             </a:fld>
             <a:endParaRPr lang="en-US"/>
           </a:p>
@@ -3780,7 +3799,7 @@
           <a:p>
             <a:fld id="{2DF66AD8-BC4A-4004-9882-414398D930CA}" type="datetimeFigureOut">
               <a:rPr lang="en-US" smtClean="0"/>
-              <a:t>12/8/15</a:t>
+              <a:t>12/10/2015</a:t>
             </a:fld>
             <a:endParaRPr lang="en-US"/>
           </a:p>
@@ -3991,7 +4010,7 @@
           <a:p>
             <a:fld id="{2DF66AD8-BC4A-4004-9882-414398D930CA}" type="datetimeFigureOut">
               <a:rPr lang="en-US" smtClean="0"/>
-              <a:t>12/8/15</a:t>
+              <a:t>12/10/2015</a:t>
             </a:fld>
             <a:endParaRPr lang="en-US"/>
           </a:p>
@@ -4188,7 +4207,7 @@
           <a:p>
             <a:fld id="{2DF66AD8-BC4A-4004-9882-414398D930CA}" type="datetimeFigureOut">
               <a:rPr lang="en-US" smtClean="0"/>
-              <a:t>12/8/15</a:t>
+              <a:t>12/10/2015</a:t>
             </a:fld>
             <a:endParaRPr lang="en-US"/>
           </a:p>
@@ -4409,7 +4428,7 @@
           <a:p>
             <a:fld id="{2DF66AD8-BC4A-4004-9882-414398D930CA}" type="datetimeFigureOut">
               <a:rPr lang="en-US" smtClean="0"/>
-              <a:t>12/8/15</a:t>
+              <a:t>12/10/2015</a:t>
             </a:fld>
             <a:endParaRPr lang="en-US"/>
           </a:p>
@@ -4828,7 +4847,7 @@
           <a:p>
             <a:fld id="{2DF66AD8-BC4A-4004-9882-414398D930CA}" type="datetimeFigureOut">
               <a:rPr lang="en-US" smtClean="0"/>
-              <a:t>12/8/15</a:t>
+              <a:t>12/10/2015</a:t>
             </a:fld>
             <a:endParaRPr lang="en-US"/>
           </a:p>
@@ -5126,7 +5145,7 @@
           <a:p>
             <a:fld id="{2DF66AD8-BC4A-4004-9882-414398D930CA}" type="datetimeFigureOut">
               <a:rPr lang="en-US" smtClean="0"/>
-              <a:t>12/8/15</a:t>
+              <a:t>12/10/2015</a:t>
             </a:fld>
             <a:endParaRPr lang="en-US"/>
           </a:p>
@@ -5527,7 +5546,7 @@
           <a:p>
             <a:fld id="{2DF66AD8-BC4A-4004-9882-414398D930CA}" type="datetimeFigureOut">
               <a:rPr lang="en-US" smtClean="0"/>
-              <a:t>12/8/15</a:t>
+              <a:t>12/10/2015</a:t>
             </a:fld>
             <a:endParaRPr lang="en-US"/>
           </a:p>
@@ -5917,7 +5936,7 @@
           <a:p>
             <a:fld id="{2DF66AD8-BC4A-4004-9882-414398D930CA}" type="datetimeFigureOut">
               <a:rPr lang="en-US" smtClean="0"/>
-              <a:t>12/8/15</a:t>
+              <a:t>12/10/2015</a:t>
             </a:fld>
             <a:endParaRPr lang="en-US"/>
           </a:p>
@@ -6256,7 +6275,7 @@
           <a:p>
             <a:fld id="{2DF66AD8-BC4A-4004-9882-414398D930CA}" type="datetimeFigureOut">
               <a:rPr lang="en-US" smtClean="0"/>
-              <a:t>12/8/15</a:t>
+              <a:t>12/10/2015</a:t>
             </a:fld>
             <a:endParaRPr lang="en-US"/>
           </a:p>
@@ -6751,7 +6770,7 @@
           <a:p>
             <a:fld id="{2DF66AD8-BC4A-4004-9882-414398D930CA}" type="datetimeFigureOut">
               <a:rPr lang="en-US" smtClean="0"/>
-              <a:t>12/8/15</a:t>
+              <a:t>12/10/2015</a:t>
             </a:fld>
             <a:endParaRPr lang="en-US"/>
           </a:p>
@@ -7073,7 +7092,7 @@
           <a:p>
             <a:fld id="{2DF66AD8-BC4A-4004-9882-414398D930CA}" type="datetimeFigureOut">
               <a:rPr lang="en-US" smtClean="0"/>
-              <a:t>12/8/15</a:t>
+              <a:t>12/10/2015</a:t>
             </a:fld>
             <a:endParaRPr lang="en-US"/>
           </a:p>
@@ -7421,7 +7440,7 @@
           <a:p>
             <a:fld id="{2DF66AD8-BC4A-4004-9882-414398D930CA}" type="datetimeFigureOut">
               <a:rPr lang="en-US" smtClean="0"/>
-              <a:t>12/8/15</a:t>
+              <a:t>12/10/2015</a:t>
             </a:fld>
             <a:endParaRPr lang="en-US"/>
           </a:p>
@@ -7847,14 +7866,27 @@
             <p:ph type="ctrTitle"/>
           </p:nvPr>
         </p:nvSpPr>
-        <p:spPr/>
+        <p:spPr>
+          <a:xfrm>
+            <a:off x="2209800" y="1392070"/>
+            <a:ext cx="6477000" cy="875777"/>
+          </a:xfrm>
+        </p:spPr>
         <p:txBody>
           <a:bodyPr/>
           <a:lstStyle/>
           <a:p>
             <a:r>
               <a:rPr lang="en-US" altLang="zh-CN" b="1" dirty="0"/>
-              <a:t>Real-Time Multi-Screen Video Editor</a:t>
+              <a:t>Real-Time </a:t>
+            </a:r>
+            <a:r>
+              <a:rPr lang="en-US" altLang="zh-CN" b="1" dirty="0" smtClean="0"/>
+              <a:t>Video </a:t>
+            </a:r>
+            <a:r>
+              <a:rPr lang="en-US" altLang="zh-CN" b="1" dirty="0"/>
+              <a:t>Editor</a:t>
             </a:r>
             <a:endParaRPr kumimoji="1" lang="zh-CN" altLang="en-US" b="1" dirty="0"/>
           </a:p>
@@ -7862,48 +7894,279 @@
       </p:sp>
       <p:sp>
         <p:nvSpPr>
-          <p:cNvPr id="3" name="副标题 2"/>
-          <p:cNvSpPr>
-            <a:spLocks noGrp="1"/>
-          </p:cNvSpPr>
-          <p:nvPr>
-            <p:ph type="subTitle" idx="1"/>
-          </p:nvPr>
-        </p:nvSpPr>
-        <p:spPr/>
-        <p:txBody>
-          <a:bodyPr/>
-          <a:lstStyle/>
-          <a:p>
-            <a:r>
-              <a:rPr kumimoji="1" lang="en-US" altLang="zh-CN" dirty="0" smtClean="0"/>
-              <a:t>CS</a:t>
-            </a:r>
-            <a:r>
-              <a:rPr kumimoji="1" lang="en-US" altLang="zh-CN" dirty="0" smtClean="0"/>
-              <a:t>1530</a:t>
-            </a:r>
-            <a:r>
-              <a:rPr kumimoji="1" lang="zh-CN" altLang="en-US" dirty="0" smtClean="0"/>
+          <p:cNvPr id="4" name="标题 1"/>
+          <p:cNvSpPr txBox="1">
+            <a:spLocks/>
+          </p:cNvSpPr>
+          <p:nvPr/>
+        </p:nvSpPr>
+        <p:spPr>
+          <a:xfrm>
+            <a:off x="3131025" y="996285"/>
+            <a:ext cx="6477000" cy="5577519"/>
+          </a:xfrm>
+          <a:prstGeom prst="rect">
+            <a:avLst/>
+          </a:prstGeom>
+        </p:spPr>
+        <p:txBody>
+          <a:bodyPr vert="horz" lIns="45720" tIns="0" rIns="45720" bIns="0" rtlCol="0" anchor="b" anchorCtr="0">
+            <a:noAutofit/>
+          </a:bodyPr>
+          <a:lstStyle>
+            <a:lvl1pPr algn="l" defTabSz="914400" rtl="0" eaLnBrk="1" latinLnBrk="0" hangingPunct="1">
+              <a:lnSpc>
+                <a:spcPts val="5000"/>
+              </a:lnSpc>
+              <a:spcBef>
+                <a:spcPct val="0"/>
+              </a:spcBef>
+              <a:buNone/>
+              <a:defRPr sz="4600" kern="1200">
+                <a:solidFill>
+                  <a:schemeClr val="tx1"/>
+                </a:solidFill>
+                <a:latin typeface="+mj-lt"/>
+                <a:ea typeface="+mj-ea"/>
+                <a:cs typeface="+mj-cs"/>
+              </a:defRPr>
+            </a:lvl1pPr>
+          </a:lstStyle>
+          <a:p>
+            <a:r>
+              <a:rPr lang="en-US" altLang="zh-CN" sz="2800" b="1" dirty="0" smtClean="0"/>
+              <a:t>Group Members</a:t>
+            </a:r>
+            <a:endParaRPr lang="en-US" altLang="zh-CN" sz="2800" i="1" dirty="0" smtClean="0">
+              <a:solidFill>
+                <a:prstClr val="black"/>
+              </a:solidFill>
+            </a:endParaRPr>
+          </a:p>
+          <a:p>
+            <a:pPr marL="463550" indent="-463550">
+              <a:lnSpc>
+                <a:spcPct val="100000"/>
+              </a:lnSpc>
+              <a:spcBef>
+                <a:spcPts val="2000"/>
+              </a:spcBef>
+              <a:buBlip>
+                <a:blip r:embed="rId2"/>
+              </a:buBlip>
+            </a:pPr>
+            <a:r>
+              <a:rPr lang="en-US" altLang="zh-CN" sz="2800" i="1" dirty="0" err="1">
+                <a:solidFill>
+                  <a:prstClr val="black"/>
+                </a:solidFill>
+              </a:rPr>
+              <a:t>Mengqi</a:t>
+            </a:r>
+            <a:r>
+              <a:rPr lang="en-US" altLang="zh-CN" sz="2800" i="1" dirty="0">
+                <a:solidFill>
+                  <a:prstClr val="black"/>
+                </a:solidFill>
+              </a:rPr>
+              <a:t> Wu</a:t>
+            </a:r>
+            <a:r>
+              <a:rPr lang="zh-CN" altLang="zh-CN" sz="2800" i="1" dirty="0">
+                <a:solidFill>
+                  <a:prstClr val="black"/>
+                </a:solidFill>
+              </a:rPr>
               <a:t> </a:t>
             </a:r>
             <a:r>
-              <a:rPr kumimoji="1" lang="en-US" altLang="zh-CN" dirty="0" smtClean="0"/>
-              <a:t>Software</a:t>
-            </a:r>
-            <a:r>
-              <a:rPr kumimoji="1" lang="zh-CN" altLang="en-US" dirty="0" smtClean="0"/>
+              <a:rPr lang="en-US" altLang="zh-CN" sz="2800" i="1" dirty="0">
+                <a:solidFill>
+                  <a:prstClr val="black"/>
+                </a:solidFill>
+              </a:rPr>
+              <a:t>(Project</a:t>
+            </a:r>
+            <a:r>
+              <a:rPr lang="zh-CN" altLang="en-US" sz="2800" i="1" dirty="0">
+                <a:solidFill>
+                  <a:prstClr val="black"/>
+                </a:solidFill>
+              </a:rPr>
               <a:t> </a:t>
             </a:r>
             <a:r>
-              <a:rPr kumimoji="1" lang="en-US" altLang="zh-CN" dirty="0" smtClean="0"/>
-              <a:t>Engineering</a:t>
-            </a:r>
-            <a:r>
-              <a:rPr kumimoji="1" lang="zh-CN" altLang="en-US" dirty="0" smtClean="0"/>
+              <a:rPr lang="en-US" altLang="zh-CN" sz="2800" i="1" dirty="0">
+                <a:solidFill>
+                  <a:prstClr val="black"/>
+                </a:solidFill>
+              </a:rPr>
+              <a:t>Manager</a:t>
+            </a:r>
+            <a:r>
+              <a:rPr lang="zh-CN" altLang="en-US" sz="2800" i="1" dirty="0" smtClean="0">
+                <a:solidFill>
+                  <a:prstClr val="black"/>
+                </a:solidFill>
+              </a:rPr>
+              <a:t>)</a:t>
+            </a:r>
+            <a:endParaRPr lang="en-US" altLang="zh-CN" sz="2800" i="1" dirty="0" smtClean="0">
+              <a:solidFill>
+                <a:prstClr val="black"/>
+              </a:solidFill>
+            </a:endParaRPr>
+          </a:p>
+          <a:p>
+            <a:pPr marL="463550" lvl="0" indent="-463550">
+              <a:lnSpc>
+                <a:spcPct val="100000"/>
+              </a:lnSpc>
+              <a:spcBef>
+                <a:spcPts val="2000"/>
+              </a:spcBef>
+              <a:buBlip>
+                <a:blip r:embed="rId2"/>
+              </a:buBlip>
+            </a:pPr>
+            <a:r>
+              <a:rPr lang="en-US" altLang="zh-CN" sz="2800" i="1" dirty="0">
+                <a:solidFill>
+                  <a:prstClr val="black"/>
+                </a:solidFill>
+              </a:rPr>
+              <a:t>Matthew Schnur</a:t>
+            </a:r>
+            <a:r>
+              <a:rPr lang="zh-CN" altLang="zh-CN" sz="2800" i="1" dirty="0">
+                <a:solidFill>
+                  <a:prstClr val="black"/>
+                </a:solidFill>
+              </a:rPr>
               <a:t> </a:t>
             </a:r>
-            <a:endParaRPr kumimoji="1" lang="zh-CN" altLang="en-US" dirty="0"/>
+            <a:r>
+              <a:rPr lang="en-US" altLang="zh-CN" sz="2800" i="1" dirty="0">
+                <a:solidFill>
+                  <a:prstClr val="black"/>
+                </a:solidFill>
+              </a:rPr>
+              <a:t>(Developer</a:t>
+            </a:r>
+            <a:r>
+              <a:rPr lang="en-US" altLang="zh-CN" sz="2800" i="1" dirty="0" smtClean="0">
+                <a:solidFill>
+                  <a:prstClr val="black"/>
+                </a:solidFill>
+              </a:rPr>
+              <a:t>)</a:t>
+            </a:r>
+            <a:endParaRPr kumimoji="1" lang="zh-CN" altLang="en-US" sz="2800" i="1" dirty="0">
+              <a:solidFill>
+                <a:prstClr val="black"/>
+              </a:solidFill>
+            </a:endParaRPr>
+          </a:p>
+          <a:p>
+            <a:pPr marL="463550" lvl="0" indent="-463550">
+              <a:lnSpc>
+                <a:spcPct val="100000"/>
+              </a:lnSpc>
+              <a:spcBef>
+                <a:spcPts val="2000"/>
+              </a:spcBef>
+              <a:buBlip>
+                <a:blip r:embed="rId2"/>
+              </a:buBlip>
+            </a:pPr>
+            <a:r>
+              <a:rPr lang="en-US" altLang="zh-CN" sz="2800" i="1" dirty="0" err="1" smtClean="0">
+                <a:solidFill>
+                  <a:prstClr val="black"/>
+                </a:solidFill>
+              </a:rPr>
+              <a:t>Domonic</a:t>
+            </a:r>
+            <a:r>
+              <a:rPr lang="en-US" altLang="zh-CN" sz="2800" i="1" dirty="0" smtClean="0">
+                <a:solidFill>
+                  <a:prstClr val="black"/>
+                </a:solidFill>
+              </a:rPr>
+              <a:t> </a:t>
+            </a:r>
+            <a:r>
+              <a:rPr lang="en-US" altLang="zh-CN" sz="2800" i="1" dirty="0" err="1">
+                <a:solidFill>
+                  <a:prstClr val="black"/>
+                </a:solidFill>
+              </a:rPr>
+              <a:t>Milesi</a:t>
+            </a:r>
+            <a:r>
+              <a:rPr lang="zh-CN" altLang="en-US" sz="2800" i="1" dirty="0">
+                <a:solidFill>
+                  <a:prstClr val="black"/>
+                </a:solidFill>
+              </a:rPr>
+              <a:t> </a:t>
+            </a:r>
+            <a:r>
+              <a:rPr lang="en-US" altLang="zh-CN" sz="2800" i="1" dirty="0">
+                <a:solidFill>
+                  <a:prstClr val="black"/>
+                </a:solidFill>
+              </a:rPr>
+              <a:t>(Developer)</a:t>
+            </a:r>
+          </a:p>
+          <a:p>
+            <a:pPr marL="463550" lvl="0" indent="-463550">
+              <a:lnSpc>
+                <a:spcPct val="100000"/>
+              </a:lnSpc>
+              <a:spcBef>
+                <a:spcPts val="2000"/>
+              </a:spcBef>
+              <a:buBlip>
+                <a:blip r:embed="rId2"/>
+              </a:buBlip>
+            </a:pPr>
+            <a:r>
+              <a:rPr lang="en-US" altLang="zh-CN" sz="2800" i="1" dirty="0" smtClean="0">
+                <a:solidFill>
+                  <a:prstClr val="black"/>
+                </a:solidFill>
+              </a:rPr>
+              <a:t>Arjun </a:t>
+            </a:r>
+            <a:r>
+              <a:rPr lang="en-US" altLang="zh-CN" sz="2800" i="1" dirty="0">
+                <a:solidFill>
+                  <a:prstClr val="black"/>
+                </a:solidFill>
+              </a:rPr>
+              <a:t>Mukherjee</a:t>
+            </a:r>
+            <a:r>
+              <a:rPr lang="zh-CN" altLang="en-US" sz="2800" i="1" dirty="0">
+                <a:solidFill>
+                  <a:prstClr val="black"/>
+                </a:solidFill>
+              </a:rPr>
+              <a:t> </a:t>
+            </a:r>
+            <a:r>
+              <a:rPr lang="en-US" altLang="zh-CN" sz="2800" i="1" dirty="0">
+                <a:solidFill>
+                  <a:prstClr val="black"/>
+                </a:solidFill>
+              </a:rPr>
+              <a:t>(Tester)</a:t>
+            </a:r>
+          </a:p>
+          <a:p>
+            <a:endParaRPr lang="en-US" altLang="zh-CN" sz="2800" b="1" dirty="0" smtClean="0"/>
           </a:p>
         </p:txBody>
       </p:sp>
@@ -7920,7 +8183,738 @@
   <p:timing>
     <p:tnLst>
       <p:par>
-        <p:cTn xmlns:p14="http://schemas.microsoft.com/office/powerpoint/2010/main" id="1" dur="indefinite" restart="never" nodeType="tmRoot"/>
+        <p:cTn id="1" dur="indefinite" restart="never" nodeType="tmRoot"/>
+      </p:par>
+    </p:tnLst>
+  </p:timing>
+</p:sld>
+</file>
+
+<file path=ppt/slides/slide10.xml><?xml version="1.0" encoding="utf-8"?>
+<p:sld xmlns:a="http://schemas.openxmlformats.org/drawingml/2006/main" xmlns:r="http://schemas.openxmlformats.org/officeDocument/2006/relationships" xmlns:p="http://schemas.openxmlformats.org/presentationml/2006/main">
+  <p:cSld>
+    <p:spTree>
+      <p:nvGrpSpPr>
+        <p:cNvPr id="1" name=""/>
+        <p:cNvGrpSpPr/>
+        <p:nvPr/>
+      </p:nvGrpSpPr>
+      <p:grpSpPr>
+        <a:xfrm>
+          <a:off x="0" y="0"/>
+          <a:ext cx="0" cy="0"/>
+          <a:chOff x="0" y="0"/>
+          <a:chExt cx="0" cy="0"/>
+        </a:xfrm>
+      </p:grpSpPr>
+      <p:sp>
+        <p:nvSpPr>
+          <p:cNvPr id="2" name="标题 1"/>
+          <p:cNvSpPr>
+            <a:spLocks noGrp="1"/>
+          </p:cNvSpPr>
+          <p:nvPr>
+            <p:ph type="title"/>
+          </p:nvPr>
+        </p:nvSpPr>
+        <p:spPr>
+          <a:xfrm>
+            <a:off x="1188538" y="714880"/>
+            <a:ext cx="7039476" cy="868362"/>
+          </a:xfrm>
+        </p:spPr>
+        <p:txBody>
+          <a:bodyPr/>
+          <a:lstStyle/>
+          <a:p>
+            <a:pPr algn="r"/>
+            <a:r>
+              <a:rPr kumimoji="1" lang="en-US" altLang="zh-CN" sz="5400" b="1" dirty="0" smtClean="0"/>
+              <a:t>Live</a:t>
+            </a:r>
+            <a:r>
+              <a:rPr kumimoji="1" lang="zh-CN" altLang="en-US" sz="5400" b="1" dirty="0" smtClean="0"/>
+              <a:t> </a:t>
+            </a:r>
+            <a:r>
+              <a:rPr kumimoji="1" lang="en-US" altLang="zh-CN" sz="5400" b="1" dirty="0" smtClean="0"/>
+              <a:t>Demonstration</a:t>
+            </a:r>
+            <a:endParaRPr kumimoji="1" lang="zh-CN" altLang="en-US" sz="5400" b="1" dirty="0"/>
+          </a:p>
+        </p:txBody>
+      </p:sp>
+      <p:sp>
+        <p:nvSpPr>
+          <p:cNvPr id="3" name="竖排文本占位符 2"/>
+          <p:cNvSpPr>
+            <a:spLocks noGrp="1"/>
+          </p:cNvSpPr>
+          <p:nvPr>
+            <p:ph type="body" orient="vert" idx="1"/>
+          </p:nvPr>
+        </p:nvSpPr>
+        <p:spPr>
+          <a:xfrm>
+            <a:off x="1188538" y="1937334"/>
+            <a:ext cx="7039476" cy="3853866"/>
+          </a:xfrm>
+        </p:spPr>
+        <p:txBody>
+          <a:bodyPr vert="horz">
+            <a:normAutofit/>
+          </a:bodyPr>
+          <a:lstStyle/>
+          <a:p>
+            <a:pPr>
+              <a:buFont typeface="Wingdings" charset="2"/>
+              <a:buChar char="ü"/>
+            </a:pPr>
+            <a:r>
+              <a:rPr kumimoji="1" lang="en-US" altLang="zh-CN" sz="3200" i="1" strike="sngStrike" dirty="0" smtClean="0">
+                <a:solidFill>
+                  <a:srgbClr val="D3C492"/>
+                </a:solidFill>
+              </a:rPr>
+              <a:t>The</a:t>
+            </a:r>
+            <a:r>
+              <a:rPr kumimoji="1" lang="zh-CN" altLang="en-US" sz="3200" i="1" strike="sngStrike" dirty="0" smtClean="0">
+                <a:solidFill>
+                  <a:srgbClr val="D3C492"/>
+                </a:solidFill>
+              </a:rPr>
+              <a:t> </a:t>
+            </a:r>
+            <a:r>
+              <a:rPr kumimoji="1" lang="en-US" altLang="zh-CN" sz="3200" i="1" strike="sngStrike" dirty="0" smtClean="0">
+                <a:solidFill>
+                  <a:srgbClr val="D3C492"/>
+                </a:solidFill>
+              </a:rPr>
+              <a:t>Customer</a:t>
+            </a:r>
+          </a:p>
+          <a:p>
+            <a:pPr>
+              <a:buFont typeface="Wingdings" charset="2"/>
+              <a:buChar char="ü"/>
+            </a:pPr>
+            <a:r>
+              <a:rPr kumimoji="1" lang="en-US" altLang="zh-CN" sz="3200" i="1" strike="sngStrike" dirty="0" smtClean="0">
+                <a:solidFill>
+                  <a:srgbClr val="D3C492"/>
+                </a:solidFill>
+              </a:rPr>
+              <a:t>The</a:t>
+            </a:r>
+            <a:r>
+              <a:rPr kumimoji="1" lang="zh-CN" altLang="en-US" sz="3200" i="1" strike="sngStrike" dirty="0" smtClean="0">
+                <a:solidFill>
+                  <a:srgbClr val="D3C492"/>
+                </a:solidFill>
+              </a:rPr>
+              <a:t> </a:t>
+            </a:r>
+            <a:r>
+              <a:rPr kumimoji="1" lang="en-US" altLang="zh-CN" sz="3200" i="1" strike="sngStrike" dirty="0" smtClean="0">
+                <a:solidFill>
+                  <a:srgbClr val="D3C492"/>
+                </a:solidFill>
+              </a:rPr>
+              <a:t>translation</a:t>
+            </a:r>
+          </a:p>
+          <a:p>
+            <a:pPr>
+              <a:buFont typeface="Wingdings" charset="2"/>
+              <a:buChar char="ü"/>
+            </a:pPr>
+            <a:r>
+              <a:rPr kumimoji="1" lang="en-US" altLang="zh-CN" sz="3200" i="1" strike="sngStrike" dirty="0" smtClean="0">
+                <a:solidFill>
+                  <a:srgbClr val="D3C492"/>
+                </a:solidFill>
+              </a:rPr>
+              <a:t>The</a:t>
+            </a:r>
+            <a:r>
+              <a:rPr kumimoji="1" lang="zh-CN" altLang="en-US" sz="3200" i="1" strike="sngStrike" dirty="0" smtClean="0">
+                <a:solidFill>
+                  <a:srgbClr val="D3C492"/>
+                </a:solidFill>
+              </a:rPr>
+              <a:t> </a:t>
+            </a:r>
+            <a:r>
+              <a:rPr kumimoji="1" lang="en-US" altLang="zh-CN" sz="3200" i="1" strike="sngStrike" dirty="0" smtClean="0">
+                <a:solidFill>
+                  <a:srgbClr val="D3C492"/>
+                </a:solidFill>
+              </a:rPr>
+              <a:t>Challenges</a:t>
+            </a:r>
+            <a:r>
+              <a:rPr kumimoji="1" lang="zh-CN" altLang="en-US" sz="3200" i="1" strike="sngStrike" dirty="0" smtClean="0">
+                <a:solidFill>
+                  <a:srgbClr val="D3C492"/>
+                </a:solidFill>
+              </a:rPr>
+              <a:t>,</a:t>
+            </a:r>
+            <a:r>
+              <a:rPr kumimoji="1" lang="en-US" altLang="zh-CN" sz="3200" i="1" strike="sngStrike" dirty="0" smtClean="0">
+                <a:solidFill>
+                  <a:srgbClr val="D3C492"/>
+                </a:solidFill>
+              </a:rPr>
+              <a:t>choices</a:t>
+            </a:r>
+            <a:r>
+              <a:rPr kumimoji="1" lang="zh-CN" altLang="en-US" sz="3200" i="1" strike="sngStrike" dirty="0">
+                <a:solidFill>
+                  <a:srgbClr val="D3C492"/>
+                </a:solidFill>
+              </a:rPr>
+              <a:t> </a:t>
+            </a:r>
+            <a:r>
+              <a:rPr kumimoji="1" lang="en-US" altLang="zh-CN" sz="3200" i="1" strike="sngStrike" dirty="0" smtClean="0">
+                <a:solidFill>
+                  <a:srgbClr val="D3C492"/>
+                </a:solidFill>
+              </a:rPr>
+              <a:t>and</a:t>
+            </a:r>
+            <a:r>
+              <a:rPr kumimoji="1" lang="zh-CN" altLang="en-US" sz="3200" i="1" strike="sngStrike" dirty="0" smtClean="0">
+                <a:solidFill>
+                  <a:srgbClr val="D3C492"/>
+                </a:solidFill>
+              </a:rPr>
+              <a:t> </a:t>
+            </a:r>
+            <a:r>
+              <a:rPr kumimoji="1" lang="en-US" altLang="zh-CN" sz="3200" i="1" strike="sngStrike" dirty="0" smtClean="0">
+                <a:solidFill>
+                  <a:srgbClr val="D3C492"/>
+                </a:solidFill>
+              </a:rPr>
+              <a:t>trade-offs</a:t>
+            </a:r>
+          </a:p>
+          <a:p>
+            <a:pPr>
+              <a:buFont typeface="Wingdings" charset="2"/>
+              <a:buChar char="n"/>
+            </a:pPr>
+            <a:r>
+              <a:rPr kumimoji="1" lang="en-US" altLang="zh-CN" sz="3200" b="1" i="1" dirty="0" smtClean="0"/>
+              <a:t>Live</a:t>
+            </a:r>
+            <a:r>
+              <a:rPr kumimoji="1" lang="zh-CN" altLang="en-US" sz="3200" b="1" i="1" dirty="0" smtClean="0"/>
+              <a:t> </a:t>
+            </a:r>
+            <a:r>
+              <a:rPr kumimoji="1" lang="en-US" altLang="zh-CN" sz="3200" b="1" i="1" dirty="0" smtClean="0"/>
+              <a:t>demonstration</a:t>
+            </a:r>
+          </a:p>
+          <a:p>
+            <a:pPr>
+              <a:buFont typeface="Wingdings" charset="2"/>
+              <a:buChar char="p"/>
+            </a:pPr>
+            <a:r>
+              <a:rPr kumimoji="1" lang="en-US" altLang="zh-CN" sz="3200" i="1" dirty="0" smtClean="0">
+                <a:solidFill>
+                  <a:srgbClr val="70684D"/>
+                </a:solidFill>
+              </a:rPr>
+              <a:t>The</a:t>
+            </a:r>
+            <a:r>
+              <a:rPr kumimoji="1" lang="zh-CN" altLang="en-US" sz="3200" i="1" dirty="0" smtClean="0">
+                <a:solidFill>
+                  <a:srgbClr val="70684D"/>
+                </a:solidFill>
+              </a:rPr>
+              <a:t> </a:t>
+            </a:r>
+            <a:r>
+              <a:rPr kumimoji="1" lang="en-US" altLang="zh-CN" sz="3200" i="1" dirty="0" smtClean="0">
+                <a:solidFill>
+                  <a:srgbClr val="70684D"/>
+                </a:solidFill>
+              </a:rPr>
+              <a:t>solutions</a:t>
+            </a:r>
+            <a:endParaRPr kumimoji="1" lang="zh-CN" altLang="en-US" sz="3200" i="1" dirty="0">
+              <a:solidFill>
+                <a:srgbClr val="70684D"/>
+              </a:solidFill>
+            </a:endParaRPr>
+          </a:p>
+        </p:txBody>
+      </p:sp>
+      <p:sp>
+        <p:nvSpPr>
+          <p:cNvPr id="4" name="文本框 3"/>
+          <p:cNvSpPr txBox="1"/>
+          <p:nvPr/>
+        </p:nvSpPr>
+        <p:spPr>
+          <a:xfrm>
+            <a:off x="1904915" y="1367530"/>
+            <a:ext cx="184666" cy="369332"/>
+          </a:xfrm>
+          <a:prstGeom prst="rect">
+            <a:avLst/>
+          </a:prstGeom>
+          <a:noFill/>
+        </p:spPr>
+        <p:txBody>
+          <a:bodyPr wrap="none" rtlCol="0">
+            <a:spAutoFit/>
+          </a:bodyPr>
+          <a:lstStyle/>
+          <a:p>
+            <a:endParaRPr kumimoji="1" lang="zh-CN" altLang="en-US" dirty="0"/>
+          </a:p>
+        </p:txBody>
+      </p:sp>
+    </p:spTree>
+    <p:extLst>
+      <p:ext uri="{BB962C8B-B14F-4D97-AF65-F5344CB8AC3E}">
+        <p14:creationId xmlns:p14="http://schemas.microsoft.com/office/powerpoint/2010/main" val="2180832843"/>
+      </p:ext>
+    </p:extLst>
+  </p:cSld>
+  <p:clrMapOvr>
+    <a:masterClrMapping/>
+  </p:clrMapOvr>
+  <p:timing>
+    <p:tnLst>
+      <p:par>
+        <p:cTn id="1" dur="indefinite" restart="never" nodeType="tmRoot"/>
+      </p:par>
+    </p:tnLst>
+  </p:timing>
+</p:sld>
+</file>
+
+<file path=ppt/slides/slide11.xml><?xml version="1.0" encoding="utf-8"?>
+<p:sld xmlns:a="http://schemas.openxmlformats.org/drawingml/2006/main" xmlns:r="http://schemas.openxmlformats.org/officeDocument/2006/relationships" xmlns:p="http://schemas.openxmlformats.org/presentationml/2006/main">
+  <p:cSld>
+    <p:spTree>
+      <p:nvGrpSpPr>
+        <p:cNvPr id="1" name=""/>
+        <p:cNvGrpSpPr/>
+        <p:nvPr/>
+      </p:nvGrpSpPr>
+      <p:grpSpPr>
+        <a:xfrm>
+          <a:off x="0" y="0"/>
+          <a:ext cx="0" cy="0"/>
+          <a:chOff x="0" y="0"/>
+          <a:chExt cx="0" cy="0"/>
+        </a:xfrm>
+      </p:grpSpPr>
+      <p:sp>
+        <p:nvSpPr>
+          <p:cNvPr id="2" name="标题 1"/>
+          <p:cNvSpPr>
+            <a:spLocks noGrp="1"/>
+          </p:cNvSpPr>
+          <p:nvPr>
+            <p:ph type="title"/>
+          </p:nvPr>
+        </p:nvSpPr>
+        <p:spPr>
+          <a:xfrm>
+            <a:off x="1188538" y="714880"/>
+            <a:ext cx="7039476" cy="868362"/>
+          </a:xfrm>
+        </p:spPr>
+        <p:txBody>
+          <a:bodyPr/>
+          <a:lstStyle/>
+          <a:p>
+            <a:pPr algn="r"/>
+            <a:r>
+              <a:rPr kumimoji="1" lang="en-US" altLang="zh-CN" sz="6600" b="1" dirty="0" smtClean="0"/>
+              <a:t>The</a:t>
+            </a:r>
+            <a:r>
+              <a:rPr kumimoji="1" lang="zh-CN" altLang="en-US" sz="6600" b="1" dirty="0" smtClean="0"/>
+              <a:t> </a:t>
+            </a:r>
+            <a:r>
+              <a:rPr kumimoji="1" lang="en-US" altLang="zh-CN" sz="6600" b="1" dirty="0" smtClean="0"/>
+              <a:t>Solutions</a:t>
+            </a:r>
+            <a:endParaRPr kumimoji="1" lang="zh-CN" altLang="en-US" sz="6600" b="1" dirty="0"/>
+          </a:p>
+        </p:txBody>
+      </p:sp>
+      <p:sp>
+        <p:nvSpPr>
+          <p:cNvPr id="3" name="竖排文本占位符 2"/>
+          <p:cNvSpPr>
+            <a:spLocks noGrp="1"/>
+          </p:cNvSpPr>
+          <p:nvPr>
+            <p:ph type="body" orient="vert" idx="1"/>
+          </p:nvPr>
+        </p:nvSpPr>
+        <p:spPr>
+          <a:xfrm>
+            <a:off x="1188538" y="1937334"/>
+            <a:ext cx="7039476" cy="3853866"/>
+          </a:xfrm>
+        </p:spPr>
+        <p:txBody>
+          <a:bodyPr vert="horz">
+            <a:normAutofit/>
+          </a:bodyPr>
+          <a:lstStyle/>
+          <a:p>
+            <a:pPr>
+              <a:buFont typeface="Wingdings" charset="2"/>
+              <a:buChar char="ü"/>
+            </a:pPr>
+            <a:r>
+              <a:rPr kumimoji="1" lang="en-US" altLang="zh-CN" sz="3200" i="1" strike="sngStrike" dirty="0" smtClean="0">
+                <a:solidFill>
+                  <a:srgbClr val="D3C492"/>
+                </a:solidFill>
+              </a:rPr>
+              <a:t>The</a:t>
+            </a:r>
+            <a:r>
+              <a:rPr kumimoji="1" lang="zh-CN" altLang="en-US" sz="3200" i="1" strike="sngStrike" dirty="0" smtClean="0">
+                <a:solidFill>
+                  <a:srgbClr val="D3C492"/>
+                </a:solidFill>
+              </a:rPr>
+              <a:t> </a:t>
+            </a:r>
+            <a:r>
+              <a:rPr kumimoji="1" lang="en-US" altLang="zh-CN" sz="3200" i="1" strike="sngStrike" dirty="0" smtClean="0">
+                <a:solidFill>
+                  <a:srgbClr val="D3C492"/>
+                </a:solidFill>
+              </a:rPr>
+              <a:t>Customer</a:t>
+            </a:r>
+          </a:p>
+          <a:p>
+            <a:pPr>
+              <a:buFont typeface="Wingdings" charset="2"/>
+              <a:buChar char="ü"/>
+            </a:pPr>
+            <a:r>
+              <a:rPr kumimoji="1" lang="en-US" altLang="zh-CN" sz="3200" i="1" strike="sngStrike" dirty="0" smtClean="0">
+                <a:solidFill>
+                  <a:srgbClr val="D3C492"/>
+                </a:solidFill>
+              </a:rPr>
+              <a:t>The</a:t>
+            </a:r>
+            <a:r>
+              <a:rPr kumimoji="1" lang="zh-CN" altLang="en-US" sz="3200" i="1" strike="sngStrike" dirty="0" smtClean="0">
+                <a:solidFill>
+                  <a:srgbClr val="D3C492"/>
+                </a:solidFill>
+              </a:rPr>
+              <a:t> </a:t>
+            </a:r>
+            <a:r>
+              <a:rPr kumimoji="1" lang="en-US" altLang="zh-CN" sz="3200" i="1" strike="sngStrike" dirty="0" smtClean="0">
+                <a:solidFill>
+                  <a:srgbClr val="D3C492"/>
+                </a:solidFill>
+              </a:rPr>
+              <a:t>translation</a:t>
+            </a:r>
+          </a:p>
+          <a:p>
+            <a:pPr>
+              <a:buFont typeface="Wingdings" charset="2"/>
+              <a:buChar char="ü"/>
+            </a:pPr>
+            <a:r>
+              <a:rPr kumimoji="1" lang="en-US" altLang="zh-CN" sz="3200" i="1" strike="sngStrike" dirty="0" smtClean="0">
+                <a:solidFill>
+                  <a:srgbClr val="D3C492"/>
+                </a:solidFill>
+              </a:rPr>
+              <a:t>The</a:t>
+            </a:r>
+            <a:r>
+              <a:rPr kumimoji="1" lang="zh-CN" altLang="en-US" sz="3200" i="1" strike="sngStrike" dirty="0" smtClean="0">
+                <a:solidFill>
+                  <a:srgbClr val="D3C492"/>
+                </a:solidFill>
+              </a:rPr>
+              <a:t> </a:t>
+            </a:r>
+            <a:r>
+              <a:rPr kumimoji="1" lang="en-US" altLang="zh-CN" sz="3200" i="1" strike="sngStrike" dirty="0" smtClean="0">
+                <a:solidFill>
+                  <a:srgbClr val="D3C492"/>
+                </a:solidFill>
+              </a:rPr>
+              <a:t>Challenges</a:t>
+            </a:r>
+            <a:r>
+              <a:rPr kumimoji="1" lang="zh-CN" altLang="en-US" sz="3200" i="1" strike="sngStrike" dirty="0" smtClean="0">
+                <a:solidFill>
+                  <a:srgbClr val="D3C492"/>
+                </a:solidFill>
+              </a:rPr>
+              <a:t>,</a:t>
+            </a:r>
+            <a:r>
+              <a:rPr kumimoji="1" lang="en-US" altLang="zh-CN" sz="3200" i="1" strike="sngStrike" dirty="0" smtClean="0">
+                <a:solidFill>
+                  <a:srgbClr val="D3C492"/>
+                </a:solidFill>
+              </a:rPr>
+              <a:t>choices</a:t>
+            </a:r>
+            <a:r>
+              <a:rPr kumimoji="1" lang="zh-CN" altLang="en-US" sz="3200" i="1" strike="sngStrike" dirty="0">
+                <a:solidFill>
+                  <a:srgbClr val="D3C492"/>
+                </a:solidFill>
+              </a:rPr>
+              <a:t> </a:t>
+            </a:r>
+            <a:r>
+              <a:rPr kumimoji="1" lang="en-US" altLang="zh-CN" sz="3200" i="1" strike="sngStrike" dirty="0" smtClean="0">
+                <a:solidFill>
+                  <a:srgbClr val="D3C492"/>
+                </a:solidFill>
+              </a:rPr>
+              <a:t>and</a:t>
+            </a:r>
+            <a:r>
+              <a:rPr kumimoji="1" lang="zh-CN" altLang="en-US" sz="3200" i="1" strike="sngStrike" dirty="0" smtClean="0">
+                <a:solidFill>
+                  <a:srgbClr val="D3C492"/>
+                </a:solidFill>
+              </a:rPr>
+              <a:t> </a:t>
+            </a:r>
+            <a:r>
+              <a:rPr kumimoji="1" lang="en-US" altLang="zh-CN" sz="3200" i="1" strike="sngStrike" dirty="0" smtClean="0">
+                <a:solidFill>
+                  <a:srgbClr val="D3C492"/>
+                </a:solidFill>
+              </a:rPr>
+              <a:t>trade-offs</a:t>
+            </a:r>
+          </a:p>
+          <a:p>
+            <a:pPr>
+              <a:buFont typeface="Wingdings" charset="2"/>
+              <a:buChar char="ü"/>
+            </a:pPr>
+            <a:r>
+              <a:rPr kumimoji="1" lang="en-US" altLang="zh-CN" sz="3200" i="1" strike="sngStrike" dirty="0" smtClean="0">
+                <a:solidFill>
+                  <a:srgbClr val="D3C492"/>
+                </a:solidFill>
+              </a:rPr>
+              <a:t>Live</a:t>
+            </a:r>
+            <a:r>
+              <a:rPr kumimoji="1" lang="zh-CN" altLang="en-US" sz="3200" i="1" strike="sngStrike" dirty="0" smtClean="0">
+                <a:solidFill>
+                  <a:srgbClr val="D3C492"/>
+                </a:solidFill>
+              </a:rPr>
+              <a:t> </a:t>
+            </a:r>
+            <a:r>
+              <a:rPr kumimoji="1" lang="en-US" altLang="zh-CN" sz="3200" i="1" strike="sngStrike" dirty="0" smtClean="0">
+                <a:solidFill>
+                  <a:srgbClr val="D3C492"/>
+                </a:solidFill>
+              </a:rPr>
+              <a:t>demonstration</a:t>
+            </a:r>
+          </a:p>
+          <a:p>
+            <a:pPr>
+              <a:buFont typeface="Wingdings" charset="2"/>
+              <a:buChar char="n"/>
+            </a:pPr>
+            <a:r>
+              <a:rPr kumimoji="1" lang="en-US" altLang="zh-CN" sz="3200" b="1" i="1" dirty="0" smtClean="0"/>
+              <a:t>The</a:t>
+            </a:r>
+            <a:r>
+              <a:rPr kumimoji="1" lang="zh-CN" altLang="en-US" sz="3200" b="1" i="1" dirty="0" smtClean="0"/>
+              <a:t> </a:t>
+            </a:r>
+            <a:r>
+              <a:rPr kumimoji="1" lang="en-US" altLang="zh-CN" sz="3200" b="1" i="1" dirty="0" smtClean="0"/>
+              <a:t>solutions</a:t>
+            </a:r>
+            <a:endParaRPr kumimoji="1" lang="zh-CN" altLang="en-US" sz="3200" b="1" i="1" dirty="0"/>
+          </a:p>
+        </p:txBody>
+      </p:sp>
+      <p:sp>
+        <p:nvSpPr>
+          <p:cNvPr id="4" name="文本框 3"/>
+          <p:cNvSpPr txBox="1"/>
+          <p:nvPr/>
+        </p:nvSpPr>
+        <p:spPr>
+          <a:xfrm>
+            <a:off x="1904915" y="1367530"/>
+            <a:ext cx="184666" cy="369332"/>
+          </a:xfrm>
+          <a:prstGeom prst="rect">
+            <a:avLst/>
+          </a:prstGeom>
+          <a:noFill/>
+        </p:spPr>
+        <p:txBody>
+          <a:bodyPr wrap="none" rtlCol="0">
+            <a:spAutoFit/>
+          </a:bodyPr>
+          <a:lstStyle/>
+          <a:p>
+            <a:endParaRPr kumimoji="1" lang="zh-CN" altLang="en-US" dirty="0"/>
+          </a:p>
+        </p:txBody>
+      </p:sp>
+    </p:spTree>
+    <p:extLst>
+      <p:ext uri="{BB962C8B-B14F-4D97-AF65-F5344CB8AC3E}">
+        <p14:creationId xmlns:p14="http://schemas.microsoft.com/office/powerpoint/2010/main" val="2675044124"/>
+      </p:ext>
+    </p:extLst>
+  </p:cSld>
+  <p:clrMapOvr>
+    <a:masterClrMapping/>
+  </p:clrMapOvr>
+  <p:timing>
+    <p:tnLst>
+      <p:par>
+        <p:cTn id="1" dur="indefinite" restart="never" nodeType="tmRoot"/>
+      </p:par>
+    </p:tnLst>
+  </p:timing>
+</p:sld>
+</file>
+
+<file path=ppt/slides/slide12.xml><?xml version="1.0" encoding="utf-8"?>
+<p:sld xmlns:a="http://schemas.openxmlformats.org/drawingml/2006/main" xmlns:r="http://schemas.openxmlformats.org/officeDocument/2006/relationships" xmlns:p="http://schemas.openxmlformats.org/presentationml/2006/main">
+  <p:cSld>
+    <p:spTree>
+      <p:nvGrpSpPr>
+        <p:cNvPr id="1" name=""/>
+        <p:cNvGrpSpPr/>
+        <p:nvPr/>
+      </p:nvGrpSpPr>
+      <p:grpSpPr>
+        <a:xfrm>
+          <a:off x="0" y="0"/>
+          <a:ext cx="0" cy="0"/>
+          <a:chOff x="0" y="0"/>
+          <a:chExt cx="0" cy="0"/>
+        </a:xfrm>
+      </p:grpSpPr>
+      <p:sp>
+        <p:nvSpPr>
+          <p:cNvPr id="2" name="标题 1"/>
+          <p:cNvSpPr>
+            <a:spLocks noGrp="1"/>
+          </p:cNvSpPr>
+          <p:nvPr>
+            <p:ph type="ctrTitle"/>
+          </p:nvPr>
+        </p:nvSpPr>
+        <p:spPr>
+          <a:xfrm>
+            <a:off x="1416475" y="2116414"/>
+            <a:ext cx="7270325" cy="2921929"/>
+          </a:xfrm>
+        </p:spPr>
+        <p:txBody>
+          <a:bodyPr/>
+          <a:lstStyle/>
+          <a:p>
+            <a:r>
+              <a:rPr kumimoji="1" lang="en-US" altLang="zh-CN" sz="11500" b="1" dirty="0" smtClean="0"/>
+              <a:t>Thank</a:t>
+            </a:r>
+            <a:r>
+              <a:rPr kumimoji="1" lang="zh-CN" altLang="en-US" sz="11500" b="1" dirty="0" smtClean="0"/>
+              <a:t>      </a:t>
+            </a:r>
+            <a:r>
+              <a:rPr kumimoji="1" lang="en-US" altLang="zh-CN" sz="11500" b="1" dirty="0" smtClean="0"/>
+              <a:t/>
+            </a:r>
+            <a:br>
+              <a:rPr kumimoji="1" lang="en-US" altLang="zh-CN" sz="11500" b="1" dirty="0" smtClean="0"/>
+            </a:br>
+            <a:r>
+              <a:rPr kumimoji="1" lang="zh-CN" altLang="zh-CN" sz="11500" b="1" dirty="0"/>
+              <a:t> </a:t>
+            </a:r>
+            <a:r>
+              <a:rPr kumimoji="1" lang="zh-CN" altLang="en-US" sz="11500" b="1" dirty="0" smtClean="0"/>
+              <a:t>     </a:t>
+            </a:r>
+            <a:r>
+              <a:rPr kumimoji="1" lang="en-US" altLang="zh-CN" sz="11500" b="1" dirty="0" smtClean="0"/>
+              <a:t>You!!</a:t>
+            </a:r>
+            <a:endParaRPr kumimoji="1" lang="zh-CN" altLang="en-US" sz="11500" b="1" dirty="0"/>
+          </a:p>
+        </p:txBody>
+      </p:sp>
+      <p:sp>
+        <p:nvSpPr>
+          <p:cNvPr id="3" name="副标题 2"/>
+          <p:cNvSpPr>
+            <a:spLocks noGrp="1"/>
+          </p:cNvSpPr>
+          <p:nvPr>
+            <p:ph type="subTitle" idx="1"/>
+          </p:nvPr>
+        </p:nvSpPr>
+        <p:spPr/>
+        <p:txBody>
+          <a:bodyPr/>
+          <a:lstStyle/>
+          <a:p>
+            <a:endParaRPr kumimoji="1" lang="zh-CN" altLang="en-US" dirty="0"/>
+          </a:p>
+        </p:txBody>
+      </p:sp>
+    </p:spTree>
+    <p:extLst>
+      <p:ext uri="{BB962C8B-B14F-4D97-AF65-F5344CB8AC3E}">
+        <p14:creationId xmlns:p14="http://schemas.microsoft.com/office/powerpoint/2010/main" val="2127105522"/>
+      </p:ext>
+    </p:extLst>
+  </p:cSld>
+  <p:clrMapOvr>
+    <a:masterClrMapping/>
+  </p:clrMapOvr>
+  <p:timing>
+    <p:tnLst>
+      <p:par>
+        <p:cTn id="1" dur="indefinite" restart="never" nodeType="tmRoot"/>
       </p:par>
     </p:tnLst>
   </p:timing>
@@ -8213,7 +9207,7 @@
   <p:timing>
     <p:tnLst>
       <p:par>
-        <p:cTn xmlns:p14="http://schemas.microsoft.com/office/powerpoint/2010/main" id="1" dur="indefinite" restart="never" nodeType="tmRoot"/>
+        <p:cTn id="1" dur="indefinite" restart="never" nodeType="tmRoot"/>
       </p:par>
     </p:tnLst>
   </p:timing>
@@ -8443,7 +9437,7 @@
   <p:timing>
     <p:tnLst>
       <p:par>
-        <p:cTn xmlns:p14="http://schemas.microsoft.com/office/powerpoint/2010/main" id="1" dur="indefinite" restart="never" nodeType="tmRoot"/>
+        <p:cTn id="1" dur="indefinite" restart="never" nodeType="tmRoot"/>
       </p:par>
     </p:tnLst>
   </p:timing>
@@ -8769,7 +9763,7 @@
   <p:timing>
     <p:tnLst>
       <p:par>
-        <p:cTn xmlns:p14="http://schemas.microsoft.com/office/powerpoint/2010/main" id="1" dur="indefinite" restart="never" nodeType="tmRoot"/>
+        <p:cTn id="1" dur="indefinite" restart="never" nodeType="tmRoot"/>
       </p:par>
     </p:tnLst>
   </p:timing>
@@ -9087,7 +10081,7 @@
   <p:timing>
     <p:tnLst>
       <p:par>
-        <p:cTn xmlns:p14="http://schemas.microsoft.com/office/powerpoint/2010/main" id="1" dur="indefinite" restart="never" nodeType="tmRoot"/>
+        <p:cTn id="1" dur="indefinite" restart="never" nodeType="tmRoot"/>
       </p:par>
     </p:tnLst>
   </p:timing>
@@ -9113,298 +10107,99 @@
       </p:grpSpPr>
       <p:sp>
         <p:nvSpPr>
-          <p:cNvPr id="2" name="标题 1"/>
+          <p:cNvPr id="2" name="Title 1"/>
           <p:cNvSpPr>
             <a:spLocks noGrp="1"/>
           </p:cNvSpPr>
           <p:nvPr>
             <p:ph type="title"/>
+          </p:nvPr>
+        </p:nvSpPr>
+        <p:spPr/>
+        <p:txBody>
+          <a:bodyPr/>
+          <a:lstStyle/>
+          <a:p>
+            <a:r>
+              <a:rPr lang="en-US" dirty="0" smtClean="0"/>
+              <a:t>First Translation</a:t>
+            </a:r>
+            <a:endParaRPr lang="en-US" dirty="0"/>
+          </a:p>
+        </p:txBody>
+      </p:sp>
+      <p:sp>
+        <p:nvSpPr>
+          <p:cNvPr id="3" name="Vertical Text Placeholder 2"/>
+          <p:cNvSpPr>
+            <a:spLocks noGrp="1"/>
+          </p:cNvSpPr>
+          <p:nvPr>
+            <p:ph sz="half" idx="1"/>
           </p:nvPr>
         </p:nvSpPr>
         <p:spPr>
           <a:xfrm>
-            <a:off x="1188538" y="714880"/>
-            <a:ext cx="7039476" cy="868362"/>
+            <a:off x="504967" y="1371600"/>
+            <a:ext cx="7328848" cy="1180532"/>
           </a:xfrm>
         </p:spPr>
         <p:txBody>
-          <a:bodyPr/>
+          <a:bodyPr vert="horz"/>
           <a:lstStyle/>
           <a:p>
-            <a:pPr algn="r"/>
-            <a:r>
-              <a:rPr kumimoji="1" lang="en-US" altLang="zh-CN" sz="3200" b="1" dirty="0" smtClean="0"/>
-              <a:t>The</a:t>
-            </a:r>
-            <a:r>
-              <a:rPr kumimoji="1" lang="zh-CN" altLang="en-US" sz="3200" b="1" dirty="0" smtClean="0"/>
-              <a:t> </a:t>
-            </a:r>
-            <a:r>
-              <a:rPr kumimoji="1" lang="en-US" altLang="zh-CN" sz="3200" b="1" dirty="0" smtClean="0"/>
-              <a:t>Challenges,</a:t>
-            </a:r>
-            <a:r>
-              <a:rPr kumimoji="1" lang="zh-CN" altLang="en-US" sz="3200" b="1" dirty="0" smtClean="0"/>
-              <a:t> </a:t>
-            </a:r>
-            <a:r>
-              <a:rPr kumimoji="1" lang="en-US" altLang="zh-CN" sz="3200" b="1" dirty="0" smtClean="0"/>
-              <a:t>Choices</a:t>
-            </a:r>
-            <a:r>
-              <a:rPr kumimoji="1" lang="zh-CN" altLang="en-US" sz="3200" b="1" dirty="0" smtClean="0"/>
-              <a:t> </a:t>
-            </a:r>
-            <a:r>
-              <a:rPr kumimoji="1" lang="en-US" altLang="zh-CN" sz="3200" b="1" dirty="0" smtClean="0"/>
-              <a:t>and</a:t>
-            </a:r>
-            <a:r>
-              <a:rPr kumimoji="1" lang="zh-CN" altLang="en-US" sz="3200" b="1" dirty="0" smtClean="0"/>
-              <a:t> </a:t>
-            </a:r>
-            <a:r>
-              <a:rPr kumimoji="1" lang="en-US" altLang="zh-CN" sz="3200" b="1" dirty="0" smtClean="0"/>
-              <a:t>Trade-offs</a:t>
-            </a:r>
-            <a:endParaRPr kumimoji="1" lang="zh-CN" altLang="en-US" sz="3200" b="1" dirty="0"/>
-          </a:p>
-        </p:txBody>
-      </p:sp>
-      <p:sp>
-        <p:nvSpPr>
-          <p:cNvPr id="3" name="竖排文本占位符 2"/>
-          <p:cNvSpPr>
-            <a:spLocks noGrp="1"/>
-          </p:cNvSpPr>
-          <p:nvPr>
-            <p:ph type="body" orient="vert" idx="1"/>
-          </p:nvPr>
-        </p:nvSpPr>
+            <a:r>
+              <a:rPr lang="en-US" dirty="0" smtClean="0"/>
+              <a:t>Analyzed the customer’s end goal</a:t>
+            </a:r>
+          </a:p>
+          <a:p>
+            <a:r>
+              <a:rPr lang="en-US" dirty="0" smtClean="0"/>
+              <a:t>Imagined our “ideal” solution to customer’s problem </a:t>
+            </a:r>
+          </a:p>
+        </p:txBody>
+      </p:sp>
+      <p:pic>
+        <p:nvPicPr>
+          <p:cNvPr id="5" name="Content Placeholder 4"/>
+          <p:cNvPicPr>
+            <a:picLocks noGrp="1" noChangeAspect="1"/>
+          </p:cNvPicPr>
+          <p:nvPr>
+            <p:ph sz="half" idx="2"/>
+          </p:nvPr>
+        </p:nvPicPr>
+        <p:blipFill>
+          <a:blip r:embed="rId2" cstate="email">
+            <a:extLst>
+              <a:ext uri="{28A0092B-C50C-407E-A947-70E740481C1C}">
+                <a14:useLocalDpi xmlns:a14="http://schemas.microsoft.com/office/drawing/2010/main" val="0"/>
+              </a:ext>
+            </a:extLst>
+          </a:blip>
+          <a:stretch>
+            <a:fillRect/>
+          </a:stretch>
+        </p:blipFill>
         <p:spPr>
           <a:xfrm>
-            <a:off x="1188538" y="1937334"/>
-            <a:ext cx="7039476" cy="3853866"/>
+            <a:off x="1182233" y="2661314"/>
+            <a:ext cx="6777946" cy="3812593"/>
           </a:xfrm>
         </p:spPr>
-        <p:txBody>
-          <a:bodyPr vert="horz">
-            <a:normAutofit/>
-          </a:bodyPr>
-          <a:lstStyle/>
-          <a:p>
-            <a:pPr>
-              <a:buFont typeface="Wingdings" charset="2"/>
-              <a:buChar char="ü"/>
-            </a:pPr>
-            <a:r>
-              <a:rPr kumimoji="1" lang="en-US" altLang="zh-CN" sz="3200" i="1" strike="sngStrike" dirty="0" smtClean="0">
-                <a:solidFill>
-                  <a:srgbClr val="D3C492"/>
-                </a:solidFill>
-              </a:rPr>
-              <a:t>The</a:t>
-            </a:r>
-            <a:r>
-              <a:rPr kumimoji="1" lang="zh-CN" altLang="en-US" sz="3200" i="1" strike="sngStrike" dirty="0" smtClean="0">
-                <a:solidFill>
-                  <a:srgbClr val="D3C492"/>
-                </a:solidFill>
-              </a:rPr>
-              <a:t> </a:t>
-            </a:r>
-            <a:r>
-              <a:rPr kumimoji="1" lang="en-US" altLang="zh-CN" sz="3200" i="1" strike="sngStrike" dirty="0" smtClean="0">
-                <a:solidFill>
-                  <a:srgbClr val="D3C492"/>
-                </a:solidFill>
-              </a:rPr>
-              <a:t>Customer</a:t>
-            </a:r>
-          </a:p>
-          <a:p>
-            <a:pPr>
-              <a:buFont typeface="Wingdings" charset="2"/>
-              <a:buChar char="ü"/>
-            </a:pPr>
-            <a:r>
-              <a:rPr kumimoji="1" lang="en-US" altLang="zh-CN" sz="3200" i="1" strike="sngStrike" dirty="0" smtClean="0">
-                <a:solidFill>
-                  <a:srgbClr val="D3C492"/>
-                </a:solidFill>
-              </a:rPr>
-              <a:t>The</a:t>
-            </a:r>
-            <a:r>
-              <a:rPr kumimoji="1" lang="zh-CN" altLang="en-US" sz="3200" i="1" strike="sngStrike" dirty="0" smtClean="0">
-                <a:solidFill>
-                  <a:srgbClr val="D3C492"/>
-                </a:solidFill>
-              </a:rPr>
-              <a:t> </a:t>
-            </a:r>
-            <a:r>
-              <a:rPr kumimoji="1" lang="en-US" altLang="zh-CN" sz="3200" i="1" strike="sngStrike" dirty="0" smtClean="0">
-                <a:solidFill>
-                  <a:srgbClr val="D3C492"/>
-                </a:solidFill>
-              </a:rPr>
-              <a:t>translation</a:t>
-            </a:r>
-          </a:p>
-          <a:p>
-            <a:pPr>
-              <a:buFont typeface="Wingdings" charset="2"/>
-              <a:buChar char="n"/>
-            </a:pPr>
-            <a:r>
-              <a:rPr kumimoji="1" lang="en-US" altLang="zh-CN" sz="3200" b="1" i="1" dirty="0" smtClean="0"/>
-              <a:t>The</a:t>
-            </a:r>
-            <a:r>
-              <a:rPr kumimoji="1" lang="zh-CN" altLang="en-US" sz="3200" b="1" i="1" dirty="0" smtClean="0"/>
-              <a:t> </a:t>
-            </a:r>
-            <a:r>
-              <a:rPr kumimoji="1" lang="en-US" altLang="zh-CN" sz="3200" b="1" i="1" dirty="0" smtClean="0"/>
-              <a:t>Challenges</a:t>
-            </a:r>
-            <a:r>
-              <a:rPr kumimoji="1" lang="zh-CN" altLang="en-US" sz="3200" b="1" i="1" dirty="0" smtClean="0"/>
-              <a:t>,</a:t>
-            </a:r>
-            <a:r>
-              <a:rPr kumimoji="1" lang="en-US" altLang="zh-CN" sz="3200" b="1" i="1" dirty="0" smtClean="0"/>
-              <a:t>choices</a:t>
-            </a:r>
-            <a:r>
-              <a:rPr kumimoji="1" lang="zh-CN" altLang="en-US" sz="3200" b="1" i="1" dirty="0"/>
-              <a:t> </a:t>
-            </a:r>
-            <a:r>
-              <a:rPr kumimoji="1" lang="en-US" altLang="zh-CN" sz="3200" b="1" i="1" dirty="0" smtClean="0"/>
-              <a:t>and</a:t>
-            </a:r>
-            <a:r>
-              <a:rPr kumimoji="1" lang="zh-CN" altLang="en-US" sz="3200" b="1" i="1" dirty="0" smtClean="0"/>
-              <a:t> </a:t>
-            </a:r>
-            <a:r>
-              <a:rPr kumimoji="1" lang="en-US" altLang="zh-CN" sz="3200" b="1" i="1" dirty="0" smtClean="0"/>
-              <a:t>trade-offs</a:t>
-            </a:r>
-          </a:p>
-          <a:p>
-            <a:pPr>
-              <a:buFont typeface="Wingdings" charset="2"/>
-              <a:buChar char="p"/>
-            </a:pPr>
-            <a:r>
-              <a:rPr kumimoji="1" lang="en-US" altLang="zh-CN" sz="3200" i="1" dirty="0" smtClean="0">
-                <a:solidFill>
-                  <a:srgbClr val="70684D"/>
-                </a:solidFill>
-              </a:rPr>
-              <a:t>Live</a:t>
-            </a:r>
-            <a:r>
-              <a:rPr kumimoji="1" lang="zh-CN" altLang="en-US" sz="3200" i="1" dirty="0" smtClean="0">
-                <a:solidFill>
-                  <a:srgbClr val="70684D"/>
-                </a:solidFill>
-              </a:rPr>
-              <a:t> </a:t>
-            </a:r>
-            <a:r>
-              <a:rPr kumimoji="1" lang="en-US" altLang="zh-CN" sz="3200" i="1" dirty="0" smtClean="0">
-                <a:solidFill>
-                  <a:srgbClr val="70684D"/>
-                </a:solidFill>
-              </a:rPr>
-              <a:t>demonstration</a:t>
-            </a:r>
-          </a:p>
-          <a:p>
-            <a:pPr>
-              <a:buFont typeface="Wingdings" charset="2"/>
-              <a:buChar char="p"/>
-            </a:pPr>
-            <a:r>
-              <a:rPr kumimoji="1" lang="en-US" altLang="zh-CN" sz="3200" i="1" dirty="0" smtClean="0">
-                <a:solidFill>
-                  <a:srgbClr val="70684D"/>
-                </a:solidFill>
-              </a:rPr>
-              <a:t>The</a:t>
-            </a:r>
-            <a:r>
-              <a:rPr kumimoji="1" lang="zh-CN" altLang="en-US" sz="3200" i="1" dirty="0" smtClean="0">
-                <a:solidFill>
-                  <a:srgbClr val="70684D"/>
-                </a:solidFill>
-              </a:rPr>
-              <a:t> </a:t>
-            </a:r>
-            <a:r>
-              <a:rPr kumimoji="1" lang="en-US" altLang="zh-CN" sz="3200" i="1" dirty="0" smtClean="0">
-                <a:solidFill>
-                  <a:srgbClr val="70684D"/>
-                </a:solidFill>
-              </a:rPr>
-              <a:t>solutions</a:t>
-            </a:r>
-            <a:endParaRPr kumimoji="1" lang="zh-CN" altLang="en-US" sz="3200" i="1" dirty="0">
-              <a:solidFill>
-                <a:srgbClr val="70684D"/>
-              </a:solidFill>
-            </a:endParaRPr>
-          </a:p>
-        </p:txBody>
-      </p:sp>
-      <p:sp>
-        <p:nvSpPr>
-          <p:cNvPr id="4" name="文本框 3"/>
-          <p:cNvSpPr txBox="1"/>
-          <p:nvPr/>
-        </p:nvSpPr>
-        <p:spPr>
-          <a:xfrm>
-            <a:off x="1904915" y="1367530"/>
-            <a:ext cx="184666" cy="369332"/>
-          </a:xfrm>
-          <a:prstGeom prst="rect">
-            <a:avLst/>
-          </a:prstGeom>
-          <a:noFill/>
-        </p:spPr>
-        <p:txBody>
-          <a:bodyPr wrap="none" rtlCol="0">
-            <a:spAutoFit/>
-          </a:bodyPr>
-          <a:lstStyle/>
-          <a:p>
-            <a:endParaRPr kumimoji="1" lang="zh-CN" altLang="en-US" dirty="0"/>
-          </a:p>
-        </p:txBody>
-      </p:sp>
+      </p:pic>
     </p:spTree>
     <p:extLst>
       <p:ext uri="{BB962C8B-B14F-4D97-AF65-F5344CB8AC3E}">
-        <p14:creationId xmlns:p14="http://schemas.microsoft.com/office/powerpoint/2010/main" val="2180832843"/>
+        <p14:creationId xmlns:p14="http://schemas.microsoft.com/office/powerpoint/2010/main" val="4259576710"/>
       </p:ext>
     </p:extLst>
   </p:cSld>
   <p:clrMapOvr>
     <a:masterClrMapping/>
   </p:clrMapOvr>
-  <p:timing>
-    <p:tnLst>
-      <p:par>
-        <p:cTn xmlns:p14="http://schemas.microsoft.com/office/powerpoint/2010/main" id="1" dur="indefinite" restart="never" nodeType="tmRoot"/>
-      </p:par>
-    </p:tnLst>
-  </p:timing>
 </p:sld>
 </file>
 
@@ -9427,298 +10222,101 @@
       </p:grpSpPr>
       <p:sp>
         <p:nvSpPr>
-          <p:cNvPr id="2" name="标题 1"/>
+          <p:cNvPr id="2" name="Title 1"/>
           <p:cNvSpPr>
             <a:spLocks noGrp="1"/>
           </p:cNvSpPr>
           <p:nvPr>
             <p:ph type="title"/>
+          </p:nvPr>
+        </p:nvSpPr>
+        <p:spPr/>
+        <p:txBody>
+          <a:bodyPr/>
+          <a:lstStyle/>
+          <a:p>
+            <a:r>
+              <a:rPr lang="en-US" dirty="0" smtClean="0"/>
+              <a:t>Second Translation</a:t>
+            </a:r>
+            <a:endParaRPr lang="en-US" dirty="0"/>
+          </a:p>
+        </p:txBody>
+      </p:sp>
+      <p:sp>
+        <p:nvSpPr>
+          <p:cNvPr id="3" name="Vertical Text Placeholder 2"/>
+          <p:cNvSpPr>
+            <a:spLocks noGrp="1"/>
+          </p:cNvSpPr>
+          <p:nvPr>
+            <p:ph sz="half" idx="1"/>
           </p:nvPr>
         </p:nvSpPr>
         <p:spPr>
           <a:xfrm>
-            <a:off x="1188538" y="714880"/>
-            <a:ext cx="7039476" cy="868362"/>
+            <a:off x="504967" y="1371599"/>
+            <a:ext cx="7328848" cy="1685499"/>
           </a:xfrm>
         </p:spPr>
         <p:txBody>
-          <a:bodyPr/>
+          <a:bodyPr vert="horz">
+            <a:normAutofit lnSpcReduction="10000"/>
+          </a:bodyPr>
           <a:lstStyle/>
           <a:p>
-            <a:pPr algn="r"/>
-            <a:r>
-              <a:rPr kumimoji="1" lang="en-US" altLang="zh-CN" sz="5400" b="1" dirty="0" smtClean="0"/>
-              <a:t>Live</a:t>
-            </a:r>
-            <a:r>
-              <a:rPr kumimoji="1" lang="zh-CN" altLang="en-US" sz="5400" b="1" dirty="0" smtClean="0"/>
-              <a:t> </a:t>
-            </a:r>
-            <a:r>
-              <a:rPr kumimoji="1" lang="en-US" altLang="zh-CN" sz="5400" b="1" dirty="0" smtClean="0"/>
-              <a:t>Demonstration</a:t>
-            </a:r>
-            <a:endParaRPr kumimoji="1" lang="zh-CN" altLang="en-US" sz="5400" b="1" dirty="0"/>
-          </a:p>
-        </p:txBody>
-      </p:sp>
-      <p:sp>
-        <p:nvSpPr>
-          <p:cNvPr id="3" name="竖排文本占位符 2"/>
-          <p:cNvSpPr>
-            <a:spLocks noGrp="1"/>
-          </p:cNvSpPr>
-          <p:nvPr>
-            <p:ph type="body" orient="vert" idx="1"/>
-          </p:nvPr>
-        </p:nvSpPr>
+            <a:r>
+              <a:rPr lang="en-US" dirty="0" smtClean="0"/>
+              <a:t>After the first sprint, vastly cut back scope after experiencing difficulties firsthand</a:t>
+            </a:r>
+          </a:p>
+          <a:p>
+            <a:r>
+              <a:rPr lang="en-US" dirty="0" smtClean="0"/>
+              <a:t>Something that solved the customer’s problem but wasn’t necessarily pretty</a:t>
+            </a:r>
+          </a:p>
+        </p:txBody>
+      </p:sp>
+      <p:pic>
+        <p:nvPicPr>
+          <p:cNvPr id="6" name="Content Placeholder 5"/>
+          <p:cNvPicPr>
+            <a:picLocks noGrp="1" noChangeAspect="1"/>
+          </p:cNvPicPr>
+          <p:nvPr>
+            <p:ph sz="half" idx="2"/>
+          </p:nvPr>
+        </p:nvPicPr>
+        <p:blipFill>
+          <a:blip r:embed="rId2" cstate="email">
+            <a:extLst>
+              <a:ext uri="{28A0092B-C50C-407E-A947-70E740481C1C}">
+                <a14:useLocalDpi xmlns:a14="http://schemas.microsoft.com/office/drawing/2010/main" val="0"/>
+              </a:ext>
+            </a:extLst>
+          </a:blip>
+          <a:stretch>
+            <a:fillRect/>
+          </a:stretch>
+        </p:blipFill>
         <p:spPr>
           <a:xfrm>
-            <a:off x="1188538" y="1937334"/>
-            <a:ext cx="7039476" cy="3853866"/>
+            <a:off x="1760562" y="2905668"/>
+            <a:ext cx="7026370" cy="3952332"/>
           </a:xfrm>
         </p:spPr>
-        <p:txBody>
-          <a:bodyPr vert="horz">
-            <a:normAutofit/>
-          </a:bodyPr>
-          <a:lstStyle/>
-          <a:p>
-            <a:pPr>
-              <a:buFont typeface="Wingdings" charset="2"/>
-              <a:buChar char="ü"/>
-            </a:pPr>
-            <a:r>
-              <a:rPr kumimoji="1" lang="en-US" altLang="zh-CN" sz="3200" i="1" strike="sngStrike" dirty="0" smtClean="0">
-                <a:solidFill>
-                  <a:srgbClr val="D3C492"/>
-                </a:solidFill>
-              </a:rPr>
-              <a:t>The</a:t>
-            </a:r>
-            <a:r>
-              <a:rPr kumimoji="1" lang="zh-CN" altLang="en-US" sz="3200" i="1" strike="sngStrike" dirty="0" smtClean="0">
-                <a:solidFill>
-                  <a:srgbClr val="D3C492"/>
-                </a:solidFill>
-              </a:rPr>
-              <a:t> </a:t>
-            </a:r>
-            <a:r>
-              <a:rPr kumimoji="1" lang="en-US" altLang="zh-CN" sz="3200" i="1" strike="sngStrike" dirty="0" smtClean="0">
-                <a:solidFill>
-                  <a:srgbClr val="D3C492"/>
-                </a:solidFill>
-              </a:rPr>
-              <a:t>Customer</a:t>
-            </a:r>
-          </a:p>
-          <a:p>
-            <a:pPr>
-              <a:buFont typeface="Wingdings" charset="2"/>
-              <a:buChar char="ü"/>
-            </a:pPr>
-            <a:r>
-              <a:rPr kumimoji="1" lang="en-US" altLang="zh-CN" sz="3200" i="1" strike="sngStrike" dirty="0" smtClean="0">
-                <a:solidFill>
-                  <a:srgbClr val="D3C492"/>
-                </a:solidFill>
-              </a:rPr>
-              <a:t>The</a:t>
-            </a:r>
-            <a:r>
-              <a:rPr kumimoji="1" lang="zh-CN" altLang="en-US" sz="3200" i="1" strike="sngStrike" dirty="0" smtClean="0">
-                <a:solidFill>
-                  <a:srgbClr val="D3C492"/>
-                </a:solidFill>
-              </a:rPr>
-              <a:t> </a:t>
-            </a:r>
-            <a:r>
-              <a:rPr kumimoji="1" lang="en-US" altLang="zh-CN" sz="3200" i="1" strike="sngStrike" dirty="0" smtClean="0">
-                <a:solidFill>
-                  <a:srgbClr val="D3C492"/>
-                </a:solidFill>
-              </a:rPr>
-              <a:t>translation</a:t>
-            </a:r>
-          </a:p>
-          <a:p>
-            <a:pPr>
-              <a:buFont typeface="Wingdings" charset="2"/>
-              <a:buChar char="ü"/>
-            </a:pPr>
-            <a:r>
-              <a:rPr kumimoji="1" lang="en-US" altLang="zh-CN" sz="3200" i="1" strike="sngStrike" dirty="0" smtClean="0">
-                <a:solidFill>
-                  <a:srgbClr val="D3C492"/>
-                </a:solidFill>
-              </a:rPr>
-              <a:t>The</a:t>
-            </a:r>
-            <a:r>
-              <a:rPr kumimoji="1" lang="zh-CN" altLang="en-US" sz="3200" i="1" strike="sngStrike" dirty="0" smtClean="0">
-                <a:solidFill>
-                  <a:srgbClr val="D3C492"/>
-                </a:solidFill>
-              </a:rPr>
-              <a:t> </a:t>
-            </a:r>
-            <a:r>
-              <a:rPr kumimoji="1" lang="en-US" altLang="zh-CN" sz="3200" i="1" strike="sngStrike" dirty="0" smtClean="0">
-                <a:solidFill>
-                  <a:srgbClr val="D3C492"/>
-                </a:solidFill>
-              </a:rPr>
-              <a:t>Challenges</a:t>
-            </a:r>
-            <a:r>
-              <a:rPr kumimoji="1" lang="zh-CN" altLang="en-US" sz="3200" i="1" strike="sngStrike" dirty="0" smtClean="0">
-                <a:solidFill>
-                  <a:srgbClr val="D3C492"/>
-                </a:solidFill>
-              </a:rPr>
-              <a:t>,</a:t>
-            </a:r>
-            <a:r>
-              <a:rPr kumimoji="1" lang="en-US" altLang="zh-CN" sz="3200" i="1" strike="sngStrike" dirty="0" smtClean="0">
-                <a:solidFill>
-                  <a:srgbClr val="D3C492"/>
-                </a:solidFill>
-              </a:rPr>
-              <a:t>choices</a:t>
-            </a:r>
-            <a:r>
-              <a:rPr kumimoji="1" lang="zh-CN" altLang="en-US" sz="3200" i="1" strike="sngStrike" dirty="0">
-                <a:solidFill>
-                  <a:srgbClr val="D3C492"/>
-                </a:solidFill>
-              </a:rPr>
-              <a:t> </a:t>
-            </a:r>
-            <a:r>
-              <a:rPr kumimoji="1" lang="en-US" altLang="zh-CN" sz="3200" i="1" strike="sngStrike" dirty="0" smtClean="0">
-                <a:solidFill>
-                  <a:srgbClr val="D3C492"/>
-                </a:solidFill>
-              </a:rPr>
-              <a:t>and</a:t>
-            </a:r>
-            <a:r>
-              <a:rPr kumimoji="1" lang="zh-CN" altLang="en-US" sz="3200" i="1" strike="sngStrike" dirty="0" smtClean="0">
-                <a:solidFill>
-                  <a:srgbClr val="D3C492"/>
-                </a:solidFill>
-              </a:rPr>
-              <a:t> </a:t>
-            </a:r>
-            <a:r>
-              <a:rPr kumimoji="1" lang="en-US" altLang="zh-CN" sz="3200" i="1" strike="sngStrike" dirty="0" smtClean="0">
-                <a:solidFill>
-                  <a:srgbClr val="D3C492"/>
-                </a:solidFill>
-              </a:rPr>
-              <a:t>trade-offs</a:t>
-            </a:r>
-          </a:p>
-          <a:p>
-            <a:pPr>
-              <a:buFont typeface="Wingdings" charset="2"/>
-              <a:buChar char="n"/>
-            </a:pPr>
-            <a:r>
-              <a:rPr kumimoji="1" lang="en-US" altLang="zh-CN" sz="3200" b="1" i="1" dirty="0" smtClean="0"/>
-              <a:t>Live</a:t>
-            </a:r>
-            <a:r>
-              <a:rPr kumimoji="1" lang="zh-CN" altLang="en-US" sz="3200" b="1" i="1" dirty="0" smtClean="0"/>
-              <a:t> </a:t>
-            </a:r>
-            <a:r>
-              <a:rPr kumimoji="1" lang="en-US" altLang="zh-CN" sz="3200" b="1" i="1" dirty="0" smtClean="0"/>
-              <a:t>demonstration</a:t>
-            </a:r>
-          </a:p>
-          <a:p>
-            <a:pPr>
-              <a:buFont typeface="Wingdings" charset="2"/>
-              <a:buChar char="p"/>
-            </a:pPr>
-            <a:r>
-              <a:rPr kumimoji="1" lang="en-US" altLang="zh-CN" sz="3200" i="1" dirty="0" smtClean="0">
-                <a:solidFill>
-                  <a:srgbClr val="70684D"/>
-                </a:solidFill>
-              </a:rPr>
-              <a:t>The</a:t>
-            </a:r>
-            <a:r>
-              <a:rPr kumimoji="1" lang="zh-CN" altLang="en-US" sz="3200" i="1" dirty="0" smtClean="0">
-                <a:solidFill>
-                  <a:srgbClr val="70684D"/>
-                </a:solidFill>
-              </a:rPr>
-              <a:t> </a:t>
-            </a:r>
-            <a:r>
-              <a:rPr kumimoji="1" lang="en-US" altLang="zh-CN" sz="3200" i="1" dirty="0" smtClean="0">
-                <a:solidFill>
-                  <a:srgbClr val="70684D"/>
-                </a:solidFill>
-              </a:rPr>
-              <a:t>solutions</a:t>
-            </a:r>
-            <a:endParaRPr kumimoji="1" lang="zh-CN" altLang="en-US" sz="3200" i="1" dirty="0">
-              <a:solidFill>
-                <a:srgbClr val="70684D"/>
-              </a:solidFill>
-            </a:endParaRPr>
-          </a:p>
-        </p:txBody>
-      </p:sp>
-      <p:sp>
-        <p:nvSpPr>
-          <p:cNvPr id="4" name="文本框 3"/>
-          <p:cNvSpPr txBox="1"/>
-          <p:nvPr/>
-        </p:nvSpPr>
-        <p:spPr>
-          <a:xfrm>
-            <a:off x="1904915" y="1367530"/>
-            <a:ext cx="184666" cy="369332"/>
-          </a:xfrm>
-          <a:prstGeom prst="rect">
-            <a:avLst/>
-          </a:prstGeom>
-          <a:noFill/>
-        </p:spPr>
-        <p:txBody>
-          <a:bodyPr wrap="none" rtlCol="0">
-            <a:spAutoFit/>
-          </a:bodyPr>
-          <a:lstStyle/>
-          <a:p>
-            <a:endParaRPr kumimoji="1" lang="zh-CN" altLang="en-US" dirty="0"/>
-          </a:p>
-        </p:txBody>
-      </p:sp>
+      </p:pic>
     </p:spTree>
     <p:extLst>
       <p:ext uri="{BB962C8B-B14F-4D97-AF65-F5344CB8AC3E}">
-        <p14:creationId xmlns:p14="http://schemas.microsoft.com/office/powerpoint/2010/main" val="2180832843"/>
+        <p14:creationId xmlns:p14="http://schemas.microsoft.com/office/powerpoint/2010/main" val="862406563"/>
       </p:ext>
     </p:extLst>
   </p:cSld>
   <p:clrMapOvr>
     <a:masterClrMapping/>
   </p:clrMapOvr>
-  <p:timing>
-    <p:tnLst>
-      <p:par>
-        <p:cTn xmlns:p14="http://schemas.microsoft.com/office/powerpoint/2010/main" id="1" dur="indefinite" restart="never" nodeType="tmRoot"/>
-      </p:par>
-    </p:tnLst>
-  </p:timing>
 </p:sld>
 </file>
 
@@ -9741,294 +10339,101 @@
       </p:grpSpPr>
       <p:sp>
         <p:nvSpPr>
-          <p:cNvPr id="2" name="标题 1"/>
+          <p:cNvPr id="2" name="Title 1"/>
           <p:cNvSpPr>
             <a:spLocks noGrp="1"/>
           </p:cNvSpPr>
           <p:nvPr>
             <p:ph type="title"/>
+          </p:nvPr>
+        </p:nvSpPr>
+        <p:spPr/>
+        <p:txBody>
+          <a:bodyPr/>
+          <a:lstStyle/>
+          <a:p>
+            <a:r>
+              <a:rPr lang="en-US" dirty="0" smtClean="0"/>
+              <a:t>Final Translation</a:t>
+            </a:r>
+            <a:endParaRPr lang="en-US" dirty="0"/>
+          </a:p>
+        </p:txBody>
+      </p:sp>
+      <p:sp>
+        <p:nvSpPr>
+          <p:cNvPr id="3" name="Vertical Text Placeholder 2"/>
+          <p:cNvSpPr>
+            <a:spLocks noGrp="1"/>
+          </p:cNvSpPr>
+          <p:nvPr>
+            <p:ph sz="half" idx="1"/>
           </p:nvPr>
         </p:nvSpPr>
         <p:spPr>
           <a:xfrm>
-            <a:off x="1188538" y="714880"/>
-            <a:ext cx="7039476" cy="868362"/>
+            <a:off x="504967" y="1371599"/>
+            <a:ext cx="7328848" cy="1685499"/>
           </a:xfrm>
         </p:spPr>
         <p:txBody>
-          <a:bodyPr/>
+          <a:bodyPr vert="horz">
+            <a:normAutofit lnSpcReduction="10000"/>
+          </a:bodyPr>
           <a:lstStyle/>
           <a:p>
-            <a:pPr algn="r"/>
-            <a:r>
-              <a:rPr kumimoji="1" lang="en-US" altLang="zh-CN" sz="6600" b="1" dirty="0" smtClean="0"/>
-              <a:t>The</a:t>
-            </a:r>
-            <a:r>
-              <a:rPr kumimoji="1" lang="zh-CN" altLang="en-US" sz="6600" b="1" dirty="0" smtClean="0"/>
-              <a:t> </a:t>
-            </a:r>
-            <a:r>
-              <a:rPr kumimoji="1" lang="en-US" altLang="zh-CN" sz="6600" b="1" dirty="0" smtClean="0"/>
-              <a:t>Solutions</a:t>
-            </a:r>
-            <a:endParaRPr kumimoji="1" lang="zh-CN" altLang="en-US" sz="6600" b="1" dirty="0"/>
-          </a:p>
-        </p:txBody>
-      </p:sp>
-      <p:sp>
-        <p:nvSpPr>
-          <p:cNvPr id="3" name="竖排文本占位符 2"/>
-          <p:cNvSpPr>
-            <a:spLocks noGrp="1"/>
-          </p:cNvSpPr>
-          <p:nvPr>
-            <p:ph type="body" orient="vert" idx="1"/>
-          </p:nvPr>
-        </p:nvSpPr>
+            <a:r>
+              <a:rPr lang="en-US" dirty="0" smtClean="0"/>
+              <a:t>Customer provided us with a picture of a UI that they wanted</a:t>
+            </a:r>
+          </a:p>
+          <a:p>
+            <a:r>
+              <a:rPr lang="en-US" dirty="0" smtClean="0"/>
+              <a:t>Attempted to realize the customer’s provided UI in our app within our limited time</a:t>
+            </a:r>
+          </a:p>
+        </p:txBody>
+      </p:sp>
+      <p:pic>
+        <p:nvPicPr>
+          <p:cNvPr id="5" name="Content Placeholder 4"/>
+          <p:cNvPicPr>
+            <a:picLocks noGrp="1" noChangeAspect="1"/>
+          </p:cNvPicPr>
+          <p:nvPr>
+            <p:ph sz="half" idx="2"/>
+          </p:nvPr>
+        </p:nvPicPr>
+        <p:blipFill>
+          <a:blip r:embed="rId2" cstate="email">
+            <a:extLst>
+              <a:ext uri="{28A0092B-C50C-407E-A947-70E740481C1C}">
+                <a14:useLocalDpi xmlns:a14="http://schemas.microsoft.com/office/drawing/2010/main" val="0"/>
+              </a:ext>
+            </a:extLst>
+          </a:blip>
+          <a:stretch>
+            <a:fillRect/>
+          </a:stretch>
+        </p:blipFill>
         <p:spPr>
           <a:xfrm>
-            <a:off x="1188538" y="1937334"/>
-            <a:ext cx="7039476" cy="3853866"/>
+            <a:off x="1692322" y="2874961"/>
+            <a:ext cx="7080961" cy="3983039"/>
           </a:xfrm>
         </p:spPr>
-        <p:txBody>
-          <a:bodyPr vert="horz">
-            <a:normAutofit/>
-          </a:bodyPr>
-          <a:lstStyle/>
-          <a:p>
-            <a:pPr>
-              <a:buFont typeface="Wingdings" charset="2"/>
-              <a:buChar char="ü"/>
-            </a:pPr>
-            <a:r>
-              <a:rPr kumimoji="1" lang="en-US" altLang="zh-CN" sz="3200" i="1" strike="sngStrike" dirty="0" smtClean="0">
-                <a:solidFill>
-                  <a:srgbClr val="D3C492"/>
-                </a:solidFill>
-              </a:rPr>
-              <a:t>The</a:t>
-            </a:r>
-            <a:r>
-              <a:rPr kumimoji="1" lang="zh-CN" altLang="en-US" sz="3200" i="1" strike="sngStrike" dirty="0" smtClean="0">
-                <a:solidFill>
-                  <a:srgbClr val="D3C492"/>
-                </a:solidFill>
-              </a:rPr>
-              <a:t> </a:t>
-            </a:r>
-            <a:r>
-              <a:rPr kumimoji="1" lang="en-US" altLang="zh-CN" sz="3200" i="1" strike="sngStrike" dirty="0" smtClean="0">
-                <a:solidFill>
-                  <a:srgbClr val="D3C492"/>
-                </a:solidFill>
-              </a:rPr>
-              <a:t>Customer</a:t>
-            </a:r>
-          </a:p>
-          <a:p>
-            <a:pPr>
-              <a:buFont typeface="Wingdings" charset="2"/>
-              <a:buChar char="ü"/>
-            </a:pPr>
-            <a:r>
-              <a:rPr kumimoji="1" lang="en-US" altLang="zh-CN" sz="3200" i="1" strike="sngStrike" dirty="0" smtClean="0">
-                <a:solidFill>
-                  <a:srgbClr val="D3C492"/>
-                </a:solidFill>
-              </a:rPr>
-              <a:t>The</a:t>
-            </a:r>
-            <a:r>
-              <a:rPr kumimoji="1" lang="zh-CN" altLang="en-US" sz="3200" i="1" strike="sngStrike" dirty="0" smtClean="0">
-                <a:solidFill>
-                  <a:srgbClr val="D3C492"/>
-                </a:solidFill>
-              </a:rPr>
-              <a:t> </a:t>
-            </a:r>
-            <a:r>
-              <a:rPr kumimoji="1" lang="en-US" altLang="zh-CN" sz="3200" i="1" strike="sngStrike" dirty="0" smtClean="0">
-                <a:solidFill>
-                  <a:srgbClr val="D3C492"/>
-                </a:solidFill>
-              </a:rPr>
-              <a:t>translation</a:t>
-            </a:r>
-          </a:p>
-          <a:p>
-            <a:pPr>
-              <a:buFont typeface="Wingdings" charset="2"/>
-              <a:buChar char="ü"/>
-            </a:pPr>
-            <a:r>
-              <a:rPr kumimoji="1" lang="en-US" altLang="zh-CN" sz="3200" i="1" strike="sngStrike" dirty="0" smtClean="0">
-                <a:solidFill>
-                  <a:srgbClr val="D3C492"/>
-                </a:solidFill>
-              </a:rPr>
-              <a:t>The</a:t>
-            </a:r>
-            <a:r>
-              <a:rPr kumimoji="1" lang="zh-CN" altLang="en-US" sz="3200" i="1" strike="sngStrike" dirty="0" smtClean="0">
-                <a:solidFill>
-                  <a:srgbClr val="D3C492"/>
-                </a:solidFill>
-              </a:rPr>
-              <a:t> </a:t>
-            </a:r>
-            <a:r>
-              <a:rPr kumimoji="1" lang="en-US" altLang="zh-CN" sz="3200" i="1" strike="sngStrike" dirty="0" smtClean="0">
-                <a:solidFill>
-                  <a:srgbClr val="D3C492"/>
-                </a:solidFill>
-              </a:rPr>
-              <a:t>Challenges</a:t>
-            </a:r>
-            <a:r>
-              <a:rPr kumimoji="1" lang="zh-CN" altLang="en-US" sz="3200" i="1" strike="sngStrike" dirty="0" smtClean="0">
-                <a:solidFill>
-                  <a:srgbClr val="D3C492"/>
-                </a:solidFill>
-              </a:rPr>
-              <a:t>,</a:t>
-            </a:r>
-            <a:r>
-              <a:rPr kumimoji="1" lang="en-US" altLang="zh-CN" sz="3200" i="1" strike="sngStrike" dirty="0" smtClean="0">
-                <a:solidFill>
-                  <a:srgbClr val="D3C492"/>
-                </a:solidFill>
-              </a:rPr>
-              <a:t>choices</a:t>
-            </a:r>
-            <a:r>
-              <a:rPr kumimoji="1" lang="zh-CN" altLang="en-US" sz="3200" i="1" strike="sngStrike" dirty="0">
-                <a:solidFill>
-                  <a:srgbClr val="D3C492"/>
-                </a:solidFill>
-              </a:rPr>
-              <a:t> </a:t>
-            </a:r>
-            <a:r>
-              <a:rPr kumimoji="1" lang="en-US" altLang="zh-CN" sz="3200" i="1" strike="sngStrike" dirty="0" smtClean="0">
-                <a:solidFill>
-                  <a:srgbClr val="D3C492"/>
-                </a:solidFill>
-              </a:rPr>
-              <a:t>and</a:t>
-            </a:r>
-            <a:r>
-              <a:rPr kumimoji="1" lang="zh-CN" altLang="en-US" sz="3200" i="1" strike="sngStrike" dirty="0" smtClean="0">
-                <a:solidFill>
-                  <a:srgbClr val="D3C492"/>
-                </a:solidFill>
-              </a:rPr>
-              <a:t> </a:t>
-            </a:r>
-            <a:r>
-              <a:rPr kumimoji="1" lang="en-US" altLang="zh-CN" sz="3200" i="1" strike="sngStrike" dirty="0" smtClean="0">
-                <a:solidFill>
-                  <a:srgbClr val="D3C492"/>
-                </a:solidFill>
-              </a:rPr>
-              <a:t>trade-offs</a:t>
-            </a:r>
-          </a:p>
-          <a:p>
-            <a:pPr>
-              <a:buFont typeface="Wingdings" charset="2"/>
-              <a:buChar char="ü"/>
-            </a:pPr>
-            <a:r>
-              <a:rPr kumimoji="1" lang="en-US" altLang="zh-CN" sz="3200" i="1" strike="sngStrike" dirty="0" smtClean="0">
-                <a:solidFill>
-                  <a:srgbClr val="D3C492"/>
-                </a:solidFill>
-              </a:rPr>
-              <a:t>Live</a:t>
-            </a:r>
-            <a:r>
-              <a:rPr kumimoji="1" lang="zh-CN" altLang="en-US" sz="3200" i="1" strike="sngStrike" dirty="0" smtClean="0">
-                <a:solidFill>
-                  <a:srgbClr val="D3C492"/>
-                </a:solidFill>
-              </a:rPr>
-              <a:t> </a:t>
-            </a:r>
-            <a:r>
-              <a:rPr kumimoji="1" lang="en-US" altLang="zh-CN" sz="3200" i="1" strike="sngStrike" dirty="0" smtClean="0">
-                <a:solidFill>
-                  <a:srgbClr val="D3C492"/>
-                </a:solidFill>
-              </a:rPr>
-              <a:t>demonstration</a:t>
-            </a:r>
-          </a:p>
-          <a:p>
-            <a:pPr>
-              <a:buFont typeface="Wingdings" charset="2"/>
-              <a:buChar char="n"/>
-            </a:pPr>
-            <a:r>
-              <a:rPr kumimoji="1" lang="en-US" altLang="zh-CN" sz="3200" b="1" i="1" dirty="0" smtClean="0"/>
-              <a:t>The</a:t>
-            </a:r>
-            <a:r>
-              <a:rPr kumimoji="1" lang="zh-CN" altLang="en-US" sz="3200" b="1" i="1" dirty="0" smtClean="0"/>
-              <a:t> </a:t>
-            </a:r>
-            <a:r>
-              <a:rPr kumimoji="1" lang="en-US" altLang="zh-CN" sz="3200" b="1" i="1" dirty="0" smtClean="0"/>
-              <a:t>solutions</a:t>
-            </a:r>
-            <a:endParaRPr kumimoji="1" lang="zh-CN" altLang="en-US" sz="3200" b="1" i="1" dirty="0"/>
-          </a:p>
-        </p:txBody>
-      </p:sp>
-      <p:sp>
-        <p:nvSpPr>
-          <p:cNvPr id="4" name="文本框 3"/>
-          <p:cNvSpPr txBox="1"/>
-          <p:nvPr/>
-        </p:nvSpPr>
-        <p:spPr>
-          <a:xfrm>
-            <a:off x="1904915" y="1367530"/>
-            <a:ext cx="184666" cy="369332"/>
-          </a:xfrm>
-          <a:prstGeom prst="rect">
-            <a:avLst/>
-          </a:prstGeom>
-          <a:noFill/>
-        </p:spPr>
-        <p:txBody>
-          <a:bodyPr wrap="none" rtlCol="0">
-            <a:spAutoFit/>
-          </a:bodyPr>
-          <a:lstStyle/>
-          <a:p>
-            <a:endParaRPr kumimoji="1" lang="zh-CN" altLang="en-US" dirty="0"/>
-          </a:p>
-        </p:txBody>
-      </p:sp>
+      </p:pic>
     </p:spTree>
     <p:extLst>
       <p:ext uri="{BB962C8B-B14F-4D97-AF65-F5344CB8AC3E}">
-        <p14:creationId xmlns:p14="http://schemas.microsoft.com/office/powerpoint/2010/main" val="2675044124"/>
+        <p14:creationId xmlns:p14="http://schemas.microsoft.com/office/powerpoint/2010/main" val="330910018"/>
       </p:ext>
     </p:extLst>
   </p:cSld>
   <p:clrMapOvr>
     <a:masterClrMapping/>
   </p:clrMapOvr>
-  <p:timing>
-    <p:tnLst>
-      <p:par>
-        <p:cTn xmlns:p14="http://schemas.microsoft.com/office/powerpoint/2010/main" id="1" dur="indefinite" restart="never" nodeType="tmRoot"/>
-      </p:par>
-    </p:tnLst>
-  </p:timing>
 </p:sld>
 </file>
 
@@ -10056,63 +10461,270 @@
             <a:spLocks noGrp="1"/>
           </p:cNvSpPr>
           <p:nvPr>
-            <p:ph type="ctrTitle"/>
+            <p:ph type="title"/>
           </p:nvPr>
         </p:nvSpPr>
         <p:spPr>
           <a:xfrm>
-            <a:off x="1416475" y="2116414"/>
-            <a:ext cx="7270325" cy="2921929"/>
+            <a:off x="1188538" y="714880"/>
+            <a:ext cx="7039476" cy="868362"/>
           </a:xfrm>
         </p:spPr>
         <p:txBody>
           <a:bodyPr/>
           <a:lstStyle/>
           <a:p>
-            <a:r>
-              <a:rPr kumimoji="1" lang="en-US" altLang="zh-CN" sz="11500" b="1" dirty="0" smtClean="0"/>
-              <a:t>Thank</a:t>
-            </a:r>
-            <a:r>
-              <a:rPr kumimoji="1" lang="zh-CN" altLang="en-US" sz="11500" b="1" dirty="0" smtClean="0"/>
-              <a:t>      </a:t>
-            </a:r>
-            <a:r>
-              <a:rPr kumimoji="1" lang="en-US" altLang="zh-CN" sz="11500" b="1" dirty="0" smtClean="0"/>
-              <a:t/>
-            </a:r>
-            <a:br>
-              <a:rPr kumimoji="1" lang="en-US" altLang="zh-CN" sz="11500" b="1" dirty="0" smtClean="0"/>
-            </a:br>
-            <a:r>
-              <a:rPr kumimoji="1" lang="zh-CN" altLang="zh-CN" sz="11500" b="1" dirty="0"/>
+            <a:pPr algn="r"/>
+            <a:r>
+              <a:rPr kumimoji="1" lang="en-US" altLang="zh-CN" sz="3200" b="1" dirty="0" smtClean="0"/>
+              <a:t>The</a:t>
+            </a:r>
+            <a:r>
+              <a:rPr kumimoji="1" lang="zh-CN" altLang="en-US" sz="3200" b="1" dirty="0" smtClean="0"/>
               <a:t> </a:t>
             </a:r>
             <a:r>
-              <a:rPr kumimoji="1" lang="zh-CN" altLang="en-US" sz="11500" b="1" dirty="0" smtClean="0"/>
-              <a:t>     </a:t>
-            </a:r>
-            <a:r>
-              <a:rPr kumimoji="1" lang="en-US" altLang="zh-CN" sz="11500" b="1" dirty="0" smtClean="0"/>
-              <a:t>You!!</a:t>
-            </a:r>
-            <a:endParaRPr kumimoji="1" lang="zh-CN" altLang="en-US" sz="11500" b="1" dirty="0"/>
-          </a:p>
-        </p:txBody>
-      </p:sp>
-      <p:sp>
-        <p:nvSpPr>
-          <p:cNvPr id="3" name="副标题 2"/>
-          <p:cNvSpPr>
-            <a:spLocks noGrp="1"/>
-          </p:cNvSpPr>
-          <p:nvPr>
-            <p:ph type="subTitle" idx="1"/>
-          </p:nvPr>
-        </p:nvSpPr>
-        <p:spPr/>
-        <p:txBody>
-          <a:bodyPr/>
+              <a:rPr kumimoji="1" lang="en-US" altLang="zh-CN" sz="3200" b="1" dirty="0" smtClean="0"/>
+              <a:t>Challenges,</a:t>
+            </a:r>
+            <a:r>
+              <a:rPr kumimoji="1" lang="zh-CN" altLang="en-US" sz="3200" b="1" dirty="0" smtClean="0"/>
+              <a:t> </a:t>
+            </a:r>
+            <a:r>
+              <a:rPr kumimoji="1" lang="en-US" altLang="zh-CN" sz="3200" b="1" dirty="0" smtClean="0"/>
+              <a:t>Choices</a:t>
+            </a:r>
+            <a:r>
+              <a:rPr kumimoji="1" lang="zh-CN" altLang="en-US" sz="3200" b="1" dirty="0" smtClean="0"/>
+              <a:t> </a:t>
+            </a:r>
+            <a:r>
+              <a:rPr kumimoji="1" lang="en-US" altLang="zh-CN" sz="3200" b="1" dirty="0" smtClean="0"/>
+              <a:t>and</a:t>
+            </a:r>
+            <a:r>
+              <a:rPr kumimoji="1" lang="zh-CN" altLang="en-US" sz="3200" b="1" dirty="0" smtClean="0"/>
+              <a:t> </a:t>
+            </a:r>
+            <a:r>
+              <a:rPr kumimoji="1" lang="en-US" altLang="zh-CN" sz="3200" b="1" dirty="0" smtClean="0"/>
+              <a:t>Trade-offs</a:t>
+            </a:r>
+            <a:endParaRPr kumimoji="1" lang="zh-CN" altLang="en-US" sz="3200" b="1" dirty="0"/>
+          </a:p>
+        </p:txBody>
+      </p:sp>
+      <p:sp>
+        <p:nvSpPr>
+          <p:cNvPr id="3" name="竖排文本占位符 2"/>
+          <p:cNvSpPr>
+            <a:spLocks noGrp="1"/>
+          </p:cNvSpPr>
+          <p:nvPr>
+            <p:ph type="body" orient="vert" idx="1"/>
+          </p:nvPr>
+        </p:nvSpPr>
+        <p:spPr>
+          <a:xfrm>
+            <a:off x="1188538" y="1937334"/>
+            <a:ext cx="7039476" cy="3853866"/>
+          </a:xfrm>
+        </p:spPr>
+        <p:txBody>
+          <a:bodyPr vert="horz">
+            <a:normAutofit/>
+          </a:bodyPr>
+          <a:lstStyle/>
+          <a:p>
+            <a:pPr>
+              <a:buFont typeface="Wingdings" charset="2"/>
+              <a:buChar char="ü"/>
+            </a:pPr>
+            <a:r>
+              <a:rPr kumimoji="1" lang="en-US" altLang="zh-CN" sz="3200" i="1" strike="sngStrike" dirty="0" smtClean="0">
+                <a:solidFill>
+                  <a:srgbClr val="D3C492"/>
+                </a:solidFill>
+              </a:rPr>
+              <a:t>The</a:t>
+            </a:r>
+            <a:r>
+              <a:rPr kumimoji="1" lang="zh-CN" altLang="en-US" sz="3200" i="1" strike="sngStrike" dirty="0" smtClean="0">
+                <a:solidFill>
+                  <a:srgbClr val="D3C492"/>
+                </a:solidFill>
+              </a:rPr>
+              <a:t> </a:t>
+            </a:r>
+            <a:r>
+              <a:rPr kumimoji="1" lang="en-US" altLang="zh-CN" sz="3200" i="1" strike="sngStrike" dirty="0" smtClean="0">
+                <a:solidFill>
+                  <a:srgbClr val="D3C492"/>
+                </a:solidFill>
+              </a:rPr>
+              <a:t>Customer</a:t>
+            </a:r>
+          </a:p>
+          <a:p>
+            <a:pPr>
+              <a:buFont typeface="Wingdings" charset="2"/>
+              <a:buChar char="ü"/>
+            </a:pPr>
+            <a:r>
+              <a:rPr kumimoji="1" lang="en-US" altLang="zh-CN" sz="3200" i="1" strike="sngStrike" dirty="0" smtClean="0">
+                <a:solidFill>
+                  <a:srgbClr val="D3C492"/>
+                </a:solidFill>
+              </a:rPr>
+              <a:t>The</a:t>
+            </a:r>
+            <a:r>
+              <a:rPr kumimoji="1" lang="zh-CN" altLang="en-US" sz="3200" i="1" strike="sngStrike" dirty="0" smtClean="0">
+                <a:solidFill>
+                  <a:srgbClr val="D3C492"/>
+                </a:solidFill>
+              </a:rPr>
+              <a:t> </a:t>
+            </a:r>
+            <a:r>
+              <a:rPr kumimoji="1" lang="en-US" altLang="zh-CN" sz="3200" i="1" strike="sngStrike" dirty="0" smtClean="0">
+                <a:solidFill>
+                  <a:srgbClr val="D3C492"/>
+                </a:solidFill>
+              </a:rPr>
+              <a:t>translation</a:t>
+            </a:r>
+          </a:p>
+          <a:p>
+            <a:pPr>
+              <a:buFont typeface="Wingdings" charset="2"/>
+              <a:buChar char="n"/>
+            </a:pPr>
+            <a:r>
+              <a:rPr kumimoji="1" lang="en-US" altLang="zh-CN" sz="3200" b="1" i="1" dirty="0" smtClean="0"/>
+              <a:t>The</a:t>
+            </a:r>
+            <a:r>
+              <a:rPr kumimoji="1" lang="zh-CN" altLang="en-US" sz="3200" b="1" i="1" dirty="0" smtClean="0"/>
+              <a:t> </a:t>
+            </a:r>
+            <a:r>
+              <a:rPr kumimoji="1" lang="en-US" altLang="zh-CN" sz="3200" b="1" i="1" dirty="0" smtClean="0"/>
+              <a:t>Challenges</a:t>
+            </a:r>
+            <a:r>
+              <a:rPr kumimoji="1" lang="zh-CN" altLang="en-US" sz="3200" b="1" i="1" dirty="0" smtClean="0"/>
+              <a:t>,</a:t>
+            </a:r>
+            <a:r>
+              <a:rPr kumimoji="1" lang="en-US" altLang="zh-CN" sz="3200" b="1" i="1" dirty="0" smtClean="0"/>
+              <a:t>choices</a:t>
+            </a:r>
+            <a:r>
+              <a:rPr kumimoji="1" lang="zh-CN" altLang="en-US" sz="3200" b="1" i="1" dirty="0"/>
+              <a:t> </a:t>
+            </a:r>
+            <a:r>
+              <a:rPr kumimoji="1" lang="en-US" altLang="zh-CN" sz="3200" b="1" i="1" dirty="0" smtClean="0"/>
+              <a:t>and</a:t>
+            </a:r>
+            <a:r>
+              <a:rPr kumimoji="1" lang="zh-CN" altLang="en-US" sz="3200" b="1" i="1" dirty="0" smtClean="0"/>
+              <a:t> </a:t>
+            </a:r>
+            <a:r>
+              <a:rPr kumimoji="1" lang="en-US" altLang="zh-CN" sz="3200" b="1" i="1" dirty="0" smtClean="0"/>
+              <a:t>trade-offs</a:t>
+            </a:r>
+          </a:p>
+          <a:p>
+            <a:pPr>
+              <a:buFont typeface="Wingdings" charset="2"/>
+              <a:buChar char="p"/>
+            </a:pPr>
+            <a:r>
+              <a:rPr kumimoji="1" lang="en-US" altLang="zh-CN" sz="3200" i="1" dirty="0" smtClean="0">
+                <a:solidFill>
+                  <a:srgbClr val="70684D"/>
+                </a:solidFill>
+              </a:rPr>
+              <a:t>Live</a:t>
+            </a:r>
+            <a:r>
+              <a:rPr kumimoji="1" lang="zh-CN" altLang="en-US" sz="3200" i="1" dirty="0" smtClean="0">
+                <a:solidFill>
+                  <a:srgbClr val="70684D"/>
+                </a:solidFill>
+              </a:rPr>
+              <a:t> </a:t>
+            </a:r>
+            <a:r>
+              <a:rPr kumimoji="1" lang="en-US" altLang="zh-CN" sz="3200" i="1" dirty="0" smtClean="0">
+                <a:solidFill>
+                  <a:srgbClr val="70684D"/>
+                </a:solidFill>
+              </a:rPr>
+              <a:t>demonstration</a:t>
+            </a:r>
+          </a:p>
+          <a:p>
+            <a:pPr>
+              <a:buFont typeface="Wingdings" charset="2"/>
+              <a:buChar char="p"/>
+            </a:pPr>
+            <a:r>
+              <a:rPr kumimoji="1" lang="en-US" altLang="zh-CN" sz="3200" i="1" dirty="0" smtClean="0">
+                <a:solidFill>
+                  <a:srgbClr val="70684D"/>
+                </a:solidFill>
+              </a:rPr>
+              <a:t>The</a:t>
+            </a:r>
+            <a:r>
+              <a:rPr kumimoji="1" lang="zh-CN" altLang="en-US" sz="3200" i="1" dirty="0" smtClean="0">
+                <a:solidFill>
+                  <a:srgbClr val="70684D"/>
+                </a:solidFill>
+              </a:rPr>
+              <a:t> </a:t>
+            </a:r>
+            <a:r>
+              <a:rPr kumimoji="1" lang="en-US" altLang="zh-CN" sz="3200" i="1" dirty="0" smtClean="0">
+                <a:solidFill>
+                  <a:srgbClr val="70684D"/>
+                </a:solidFill>
+              </a:rPr>
+              <a:t>solutions</a:t>
+            </a:r>
+            <a:endParaRPr kumimoji="1" lang="zh-CN" altLang="en-US" sz="3200" i="1" dirty="0">
+              <a:solidFill>
+                <a:srgbClr val="70684D"/>
+              </a:solidFill>
+            </a:endParaRPr>
+          </a:p>
+        </p:txBody>
+      </p:sp>
+      <p:sp>
+        <p:nvSpPr>
+          <p:cNvPr id="4" name="文本框 3"/>
+          <p:cNvSpPr txBox="1"/>
+          <p:nvPr/>
+        </p:nvSpPr>
+        <p:spPr>
+          <a:xfrm>
+            <a:off x="1904915" y="1367530"/>
+            <a:ext cx="184666" cy="369332"/>
+          </a:xfrm>
+          <a:prstGeom prst="rect">
+            <a:avLst/>
+          </a:prstGeom>
+          <a:noFill/>
+        </p:spPr>
+        <p:txBody>
+          <a:bodyPr wrap="none" rtlCol="0">
+            <a:spAutoFit/>
+          </a:bodyPr>
           <a:lstStyle/>
           <a:p>
             <a:endParaRPr kumimoji="1" lang="zh-CN" altLang="en-US" dirty="0"/>
@@ -10122,7 +10734,7 @@
     </p:spTree>
     <p:extLst>
       <p:ext uri="{BB962C8B-B14F-4D97-AF65-F5344CB8AC3E}">
-        <p14:creationId xmlns:p14="http://schemas.microsoft.com/office/powerpoint/2010/main" val="2127105522"/>
+        <p14:creationId xmlns:p14="http://schemas.microsoft.com/office/powerpoint/2010/main" val="2180832843"/>
       </p:ext>
     </p:extLst>
   </p:cSld>
@@ -10132,7 +10744,7 @@
   <p:timing>
     <p:tnLst>
       <p:par>
-        <p:cTn xmlns:p14="http://schemas.microsoft.com/office/powerpoint/2010/main" id="1" dur="indefinite" restart="never" nodeType="tmRoot"/>
+        <p:cTn id="1" dur="indefinite" restart="never" nodeType="tmRoot"/>
       </p:par>
     </p:tnLst>
   </p:timing>

--- a/cs1530.pptx
+++ b/cs1530.pptx
@@ -6,17 +6,16 @@
   </p:sldMasterIdLst>
   <p:sldIdLst>
     <p:sldId id="256" r:id="rId2"/>
-    <p:sldId id="258" r:id="rId3"/>
-    <p:sldId id="259" r:id="rId4"/>
-    <p:sldId id="264" r:id="rId5"/>
-    <p:sldId id="260" r:id="rId6"/>
-    <p:sldId id="266" r:id="rId7"/>
-    <p:sldId id="267" r:id="rId8"/>
-    <p:sldId id="268" r:id="rId9"/>
-    <p:sldId id="261" r:id="rId10"/>
-    <p:sldId id="262" r:id="rId11"/>
-    <p:sldId id="263" r:id="rId12"/>
-    <p:sldId id="265" r:id="rId13"/>
+    <p:sldId id="259" r:id="rId3"/>
+    <p:sldId id="264" r:id="rId4"/>
+    <p:sldId id="260" r:id="rId5"/>
+    <p:sldId id="266" r:id="rId6"/>
+    <p:sldId id="267" r:id="rId7"/>
+    <p:sldId id="268" r:id="rId8"/>
+    <p:sldId id="261" r:id="rId9"/>
+    <p:sldId id="262" r:id="rId10"/>
+    <p:sldId id="263" r:id="rId11"/>
+    <p:sldId id="265" r:id="rId12"/>
   </p:sldIdLst>
   <p:sldSz cx="9144000" cy="6858000" type="screen4x3"/>
   <p:notesSz cx="6858000" cy="9144000"/>
@@ -8229,320 +8228,6 @@
           <a:p>
             <a:pPr algn="r"/>
             <a:r>
-              <a:rPr kumimoji="1" lang="en-US" altLang="zh-CN" sz="5400" b="1" dirty="0" smtClean="0"/>
-              <a:t>Live</a:t>
-            </a:r>
-            <a:r>
-              <a:rPr kumimoji="1" lang="zh-CN" altLang="en-US" sz="5400" b="1" dirty="0" smtClean="0"/>
-              <a:t> </a:t>
-            </a:r>
-            <a:r>
-              <a:rPr kumimoji="1" lang="en-US" altLang="zh-CN" sz="5400" b="1" dirty="0" smtClean="0"/>
-              <a:t>Demonstration</a:t>
-            </a:r>
-            <a:endParaRPr kumimoji="1" lang="zh-CN" altLang="en-US" sz="5400" b="1" dirty="0"/>
-          </a:p>
-        </p:txBody>
-      </p:sp>
-      <p:sp>
-        <p:nvSpPr>
-          <p:cNvPr id="3" name="竖排文本占位符 2"/>
-          <p:cNvSpPr>
-            <a:spLocks noGrp="1"/>
-          </p:cNvSpPr>
-          <p:nvPr>
-            <p:ph type="body" orient="vert" idx="1"/>
-          </p:nvPr>
-        </p:nvSpPr>
-        <p:spPr>
-          <a:xfrm>
-            <a:off x="1188538" y="1937334"/>
-            <a:ext cx="7039476" cy="3853866"/>
-          </a:xfrm>
-        </p:spPr>
-        <p:txBody>
-          <a:bodyPr vert="horz">
-            <a:normAutofit/>
-          </a:bodyPr>
-          <a:lstStyle/>
-          <a:p>
-            <a:pPr>
-              <a:buFont typeface="Wingdings" charset="2"/>
-              <a:buChar char="ü"/>
-            </a:pPr>
-            <a:r>
-              <a:rPr kumimoji="1" lang="en-US" altLang="zh-CN" sz="3200" i="1" strike="sngStrike" dirty="0" smtClean="0">
-                <a:solidFill>
-                  <a:srgbClr val="D3C492"/>
-                </a:solidFill>
-              </a:rPr>
-              <a:t>The</a:t>
-            </a:r>
-            <a:r>
-              <a:rPr kumimoji="1" lang="zh-CN" altLang="en-US" sz="3200" i="1" strike="sngStrike" dirty="0" smtClean="0">
-                <a:solidFill>
-                  <a:srgbClr val="D3C492"/>
-                </a:solidFill>
-              </a:rPr>
-              <a:t> </a:t>
-            </a:r>
-            <a:r>
-              <a:rPr kumimoji="1" lang="en-US" altLang="zh-CN" sz="3200" i="1" strike="sngStrike" dirty="0" smtClean="0">
-                <a:solidFill>
-                  <a:srgbClr val="D3C492"/>
-                </a:solidFill>
-              </a:rPr>
-              <a:t>Customer</a:t>
-            </a:r>
-          </a:p>
-          <a:p>
-            <a:pPr>
-              <a:buFont typeface="Wingdings" charset="2"/>
-              <a:buChar char="ü"/>
-            </a:pPr>
-            <a:r>
-              <a:rPr kumimoji="1" lang="en-US" altLang="zh-CN" sz="3200" i="1" strike="sngStrike" dirty="0" smtClean="0">
-                <a:solidFill>
-                  <a:srgbClr val="D3C492"/>
-                </a:solidFill>
-              </a:rPr>
-              <a:t>The</a:t>
-            </a:r>
-            <a:r>
-              <a:rPr kumimoji="1" lang="zh-CN" altLang="en-US" sz="3200" i="1" strike="sngStrike" dirty="0" smtClean="0">
-                <a:solidFill>
-                  <a:srgbClr val="D3C492"/>
-                </a:solidFill>
-              </a:rPr>
-              <a:t> </a:t>
-            </a:r>
-            <a:r>
-              <a:rPr kumimoji="1" lang="en-US" altLang="zh-CN" sz="3200" i="1" strike="sngStrike" dirty="0" smtClean="0">
-                <a:solidFill>
-                  <a:srgbClr val="D3C492"/>
-                </a:solidFill>
-              </a:rPr>
-              <a:t>translation</a:t>
-            </a:r>
-          </a:p>
-          <a:p>
-            <a:pPr>
-              <a:buFont typeface="Wingdings" charset="2"/>
-              <a:buChar char="ü"/>
-            </a:pPr>
-            <a:r>
-              <a:rPr kumimoji="1" lang="en-US" altLang="zh-CN" sz="3200" i="1" strike="sngStrike" dirty="0" smtClean="0">
-                <a:solidFill>
-                  <a:srgbClr val="D3C492"/>
-                </a:solidFill>
-              </a:rPr>
-              <a:t>The</a:t>
-            </a:r>
-            <a:r>
-              <a:rPr kumimoji="1" lang="zh-CN" altLang="en-US" sz="3200" i="1" strike="sngStrike" dirty="0" smtClean="0">
-                <a:solidFill>
-                  <a:srgbClr val="D3C492"/>
-                </a:solidFill>
-              </a:rPr>
-              <a:t> </a:t>
-            </a:r>
-            <a:r>
-              <a:rPr kumimoji="1" lang="en-US" altLang="zh-CN" sz="3200" i="1" strike="sngStrike" dirty="0" smtClean="0">
-                <a:solidFill>
-                  <a:srgbClr val="D3C492"/>
-                </a:solidFill>
-              </a:rPr>
-              <a:t>Challenges</a:t>
-            </a:r>
-            <a:r>
-              <a:rPr kumimoji="1" lang="zh-CN" altLang="en-US" sz="3200" i="1" strike="sngStrike" dirty="0" smtClean="0">
-                <a:solidFill>
-                  <a:srgbClr val="D3C492"/>
-                </a:solidFill>
-              </a:rPr>
-              <a:t>,</a:t>
-            </a:r>
-            <a:r>
-              <a:rPr kumimoji="1" lang="en-US" altLang="zh-CN" sz="3200" i="1" strike="sngStrike" dirty="0" smtClean="0">
-                <a:solidFill>
-                  <a:srgbClr val="D3C492"/>
-                </a:solidFill>
-              </a:rPr>
-              <a:t>choices</a:t>
-            </a:r>
-            <a:r>
-              <a:rPr kumimoji="1" lang="zh-CN" altLang="en-US" sz="3200" i="1" strike="sngStrike" dirty="0">
-                <a:solidFill>
-                  <a:srgbClr val="D3C492"/>
-                </a:solidFill>
-              </a:rPr>
-              <a:t> </a:t>
-            </a:r>
-            <a:r>
-              <a:rPr kumimoji="1" lang="en-US" altLang="zh-CN" sz="3200" i="1" strike="sngStrike" dirty="0" smtClean="0">
-                <a:solidFill>
-                  <a:srgbClr val="D3C492"/>
-                </a:solidFill>
-              </a:rPr>
-              <a:t>and</a:t>
-            </a:r>
-            <a:r>
-              <a:rPr kumimoji="1" lang="zh-CN" altLang="en-US" sz="3200" i="1" strike="sngStrike" dirty="0" smtClean="0">
-                <a:solidFill>
-                  <a:srgbClr val="D3C492"/>
-                </a:solidFill>
-              </a:rPr>
-              <a:t> </a:t>
-            </a:r>
-            <a:r>
-              <a:rPr kumimoji="1" lang="en-US" altLang="zh-CN" sz="3200" i="1" strike="sngStrike" dirty="0" smtClean="0">
-                <a:solidFill>
-                  <a:srgbClr val="D3C492"/>
-                </a:solidFill>
-              </a:rPr>
-              <a:t>trade-offs</a:t>
-            </a:r>
-          </a:p>
-          <a:p>
-            <a:pPr>
-              <a:buFont typeface="Wingdings" charset="2"/>
-              <a:buChar char="n"/>
-            </a:pPr>
-            <a:r>
-              <a:rPr kumimoji="1" lang="en-US" altLang="zh-CN" sz="3200" b="1" i="1" dirty="0" smtClean="0"/>
-              <a:t>Live</a:t>
-            </a:r>
-            <a:r>
-              <a:rPr kumimoji="1" lang="zh-CN" altLang="en-US" sz="3200" b="1" i="1" dirty="0" smtClean="0"/>
-              <a:t> </a:t>
-            </a:r>
-            <a:r>
-              <a:rPr kumimoji="1" lang="en-US" altLang="zh-CN" sz="3200" b="1" i="1" dirty="0" smtClean="0"/>
-              <a:t>demonstration</a:t>
-            </a:r>
-          </a:p>
-          <a:p>
-            <a:pPr>
-              <a:buFont typeface="Wingdings" charset="2"/>
-              <a:buChar char="p"/>
-            </a:pPr>
-            <a:r>
-              <a:rPr kumimoji="1" lang="en-US" altLang="zh-CN" sz="3200" i="1" dirty="0" smtClean="0">
-                <a:solidFill>
-                  <a:srgbClr val="70684D"/>
-                </a:solidFill>
-              </a:rPr>
-              <a:t>The</a:t>
-            </a:r>
-            <a:r>
-              <a:rPr kumimoji="1" lang="zh-CN" altLang="en-US" sz="3200" i="1" dirty="0" smtClean="0">
-                <a:solidFill>
-                  <a:srgbClr val="70684D"/>
-                </a:solidFill>
-              </a:rPr>
-              <a:t> </a:t>
-            </a:r>
-            <a:r>
-              <a:rPr kumimoji="1" lang="en-US" altLang="zh-CN" sz="3200" i="1" dirty="0" smtClean="0">
-                <a:solidFill>
-                  <a:srgbClr val="70684D"/>
-                </a:solidFill>
-              </a:rPr>
-              <a:t>solutions</a:t>
-            </a:r>
-            <a:endParaRPr kumimoji="1" lang="zh-CN" altLang="en-US" sz="3200" i="1" dirty="0">
-              <a:solidFill>
-                <a:srgbClr val="70684D"/>
-              </a:solidFill>
-            </a:endParaRPr>
-          </a:p>
-        </p:txBody>
-      </p:sp>
-      <p:sp>
-        <p:nvSpPr>
-          <p:cNvPr id="4" name="文本框 3"/>
-          <p:cNvSpPr txBox="1"/>
-          <p:nvPr/>
-        </p:nvSpPr>
-        <p:spPr>
-          <a:xfrm>
-            <a:off x="1904915" y="1367530"/>
-            <a:ext cx="184666" cy="369332"/>
-          </a:xfrm>
-          <a:prstGeom prst="rect">
-            <a:avLst/>
-          </a:prstGeom>
-          <a:noFill/>
-        </p:spPr>
-        <p:txBody>
-          <a:bodyPr wrap="none" rtlCol="0">
-            <a:spAutoFit/>
-          </a:bodyPr>
-          <a:lstStyle/>
-          <a:p>
-            <a:endParaRPr kumimoji="1" lang="zh-CN" altLang="en-US" dirty="0"/>
-          </a:p>
-        </p:txBody>
-      </p:sp>
-    </p:spTree>
-    <p:extLst>
-      <p:ext uri="{BB962C8B-B14F-4D97-AF65-F5344CB8AC3E}">
-        <p14:creationId xmlns:p14="http://schemas.microsoft.com/office/powerpoint/2010/main" val="2180832843"/>
-      </p:ext>
-    </p:extLst>
-  </p:cSld>
-  <p:clrMapOvr>
-    <a:masterClrMapping/>
-  </p:clrMapOvr>
-  <p:timing>
-    <p:tnLst>
-      <p:par>
-        <p:cTn id="1" dur="indefinite" restart="never" nodeType="tmRoot"/>
-      </p:par>
-    </p:tnLst>
-  </p:timing>
-</p:sld>
-</file>
-
-<file path=ppt/slides/slide11.xml><?xml version="1.0" encoding="utf-8"?>
-<p:sld xmlns:a="http://schemas.openxmlformats.org/drawingml/2006/main" xmlns:r="http://schemas.openxmlformats.org/officeDocument/2006/relationships" xmlns:p="http://schemas.openxmlformats.org/presentationml/2006/main">
-  <p:cSld>
-    <p:spTree>
-      <p:nvGrpSpPr>
-        <p:cNvPr id="1" name=""/>
-        <p:cNvGrpSpPr/>
-        <p:nvPr/>
-      </p:nvGrpSpPr>
-      <p:grpSpPr>
-        <a:xfrm>
-          <a:off x="0" y="0"/>
-          <a:ext cx="0" cy="0"/>
-          <a:chOff x="0" y="0"/>
-          <a:chExt cx="0" cy="0"/>
-        </a:xfrm>
-      </p:grpSpPr>
-      <p:sp>
-        <p:nvSpPr>
-          <p:cNvPr id="2" name="标题 1"/>
-          <p:cNvSpPr>
-            <a:spLocks noGrp="1"/>
-          </p:cNvSpPr>
-          <p:nvPr>
-            <p:ph type="title"/>
-          </p:nvPr>
-        </p:nvSpPr>
-        <p:spPr>
-          <a:xfrm>
-            <a:off x="1188538" y="714880"/>
-            <a:ext cx="7039476" cy="868362"/>
-          </a:xfrm>
-        </p:spPr>
-        <p:txBody>
-          <a:bodyPr/>
-          <a:lstStyle/>
-          <a:p>
-            <a:pPr algn="r"/>
-            <a:r>
               <a:rPr kumimoji="1" lang="en-US" altLang="zh-CN" sz="6600" b="1" dirty="0" smtClean="0"/>
               <a:t>The</a:t>
             </a:r>
@@ -8814,7 +8499,7 @@
 </p:sld>
 </file>
 
-<file path=ppt/slides/slide12.xml><?xml version="1.0" encoding="utf-8"?>
+<file path=ppt/slides/slide11.xml><?xml version="1.0" encoding="utf-8"?>
 <p:sld xmlns:a="http://schemas.openxmlformats.org/drawingml/2006/main" xmlns:r="http://schemas.openxmlformats.org/officeDocument/2006/relationships" xmlns:p="http://schemas.openxmlformats.org/presentationml/2006/main">
   <p:cSld>
     <p:spTree>
@@ -8950,8 +8635,8 @@
         </p:nvSpPr>
         <p:spPr>
           <a:xfrm>
-            <a:off x="700096" y="1302409"/>
-            <a:ext cx="7749912" cy="905177"/>
+            <a:off x="1188538" y="714880"/>
+            <a:ext cx="7039476" cy="868362"/>
           </a:xfrm>
         </p:spPr>
         <p:txBody>
@@ -8960,235 +8645,172 @@
           <a:p>
             <a:pPr algn="r"/>
             <a:r>
-              <a:rPr kumimoji="1" lang="en-US" altLang="zh-CN" sz="5400" dirty="0"/>
-              <a:t>Group</a:t>
-            </a:r>
-            <a:r>
-              <a:rPr kumimoji="1" lang="en-US" altLang="zh-CN" sz="4800" dirty="0"/>
-              <a:t> Members</a:t>
-            </a:r>
-            <a:endParaRPr kumimoji="1" lang="zh-CN" altLang="en-US" sz="4800" dirty="0"/>
-          </a:p>
-        </p:txBody>
-      </p:sp>
-      <p:sp>
-        <p:nvSpPr>
-          <p:cNvPr id="3" name="文本占位符 2"/>
-          <p:cNvSpPr>
-            <a:spLocks noGrp="1"/>
-          </p:cNvSpPr>
-          <p:nvPr>
-            <p:ph type="body" idx="1"/>
+              <a:rPr kumimoji="1" lang="en-US" altLang="zh-CN" sz="6600" b="1" dirty="0" smtClean="0"/>
+              <a:t>Outline</a:t>
+            </a:r>
+            <a:endParaRPr kumimoji="1" lang="zh-CN" altLang="en-US" sz="6600" b="1" dirty="0"/>
+          </a:p>
+        </p:txBody>
+      </p:sp>
+      <p:sp>
+        <p:nvSpPr>
+          <p:cNvPr id="3" name="竖排文本占位符 2"/>
+          <p:cNvSpPr>
+            <a:spLocks noGrp="1"/>
+          </p:cNvSpPr>
+          <p:nvPr>
+            <p:ph type="body" orient="vert" idx="1"/>
           </p:nvPr>
         </p:nvSpPr>
         <p:spPr>
           <a:xfrm>
-            <a:off x="1269943" y="2588159"/>
-            <a:ext cx="7874057" cy="2841072"/>
+            <a:off x="1188538" y="1937334"/>
+            <a:ext cx="7039476" cy="3853866"/>
           </a:xfrm>
         </p:spPr>
         <p:txBody>
-          <a:bodyPr>
+          <a:bodyPr vert="horz">
             <a:normAutofit/>
           </a:bodyPr>
           <a:lstStyle/>
           <a:p>
-            <a:pPr marL="463550" lvl="0" indent="-463550">
-              <a:spcBef>
-                <a:spcPts val="2000"/>
-              </a:spcBef>
-              <a:buBlip>
-                <a:blip r:embed="rId2"/>
-              </a:buBlip>
+            <a:pPr>
+              <a:buFont typeface="Wingdings" charset="2"/>
+              <a:buChar char="p"/>
             </a:pPr>
             <a:r>
-              <a:rPr lang="en-US" altLang="zh-CN" sz="3200" i="1" dirty="0" err="1">
-                <a:solidFill>
-                  <a:prstClr val="black"/>
-                </a:solidFill>
-              </a:rPr>
-              <a:t>Domonic</a:t>
-            </a:r>
-            <a:r>
-              <a:rPr lang="en-US" altLang="zh-CN" sz="3200" i="1" dirty="0">
-                <a:solidFill>
-                  <a:prstClr val="black"/>
-                </a:solidFill>
-              </a:rPr>
+              <a:rPr kumimoji="1" lang="en-US" altLang="zh-CN" sz="3200" i="1" dirty="0" smtClean="0"/>
+              <a:t>The</a:t>
+            </a:r>
+            <a:r>
+              <a:rPr kumimoji="1" lang="zh-CN" altLang="en-US" sz="3200" i="1" dirty="0" smtClean="0"/>
               <a:t> </a:t>
             </a:r>
             <a:r>
-              <a:rPr lang="en-US" altLang="zh-CN" sz="3200" i="1" dirty="0" err="1">
-                <a:solidFill>
-                  <a:prstClr val="black"/>
-                </a:solidFill>
-              </a:rPr>
-              <a:t>Milesi</a:t>
-            </a:r>
-            <a:r>
-              <a:rPr lang="zh-CN" altLang="en-US" sz="3200" i="1" dirty="0">
-                <a:solidFill>
-                  <a:prstClr val="black"/>
-                </a:solidFill>
-              </a:rPr>
+              <a:rPr kumimoji="1" lang="en-US" altLang="zh-CN" sz="3200" i="1" dirty="0" smtClean="0"/>
+              <a:t>Customer</a:t>
+            </a:r>
+          </a:p>
+          <a:p>
+            <a:pPr>
+              <a:buFont typeface="Wingdings" charset="2"/>
+              <a:buChar char="p"/>
+            </a:pPr>
+            <a:r>
+              <a:rPr kumimoji="1" lang="en-US" altLang="zh-CN" sz="3200" i="1" dirty="0" smtClean="0"/>
+              <a:t>The</a:t>
+            </a:r>
+            <a:r>
+              <a:rPr kumimoji="1" lang="zh-CN" altLang="en-US" sz="3200" i="1" dirty="0" smtClean="0"/>
               <a:t> </a:t>
             </a:r>
             <a:r>
-              <a:rPr lang="en-US" altLang="zh-CN" sz="3200" i="1" dirty="0">
-                <a:solidFill>
-                  <a:prstClr val="black"/>
-                </a:solidFill>
-              </a:rPr>
-              <a:t>(Developer)</a:t>
-            </a:r>
-          </a:p>
-          <a:p>
-            <a:pPr marL="463550" lvl="0" indent="-463550">
-              <a:spcBef>
-                <a:spcPts val="2000"/>
-              </a:spcBef>
-              <a:buBlip>
-                <a:blip r:embed="rId2"/>
-              </a:buBlip>
+              <a:rPr kumimoji="1" lang="en-US" altLang="zh-CN" sz="3200" i="1" dirty="0" smtClean="0"/>
+              <a:t>translation</a:t>
+            </a:r>
+          </a:p>
+          <a:p>
+            <a:pPr>
+              <a:buFont typeface="Wingdings" charset="2"/>
+              <a:buChar char="p"/>
             </a:pPr>
             <a:r>
-              <a:rPr lang="en-US" altLang="zh-CN" sz="3200" i="1" dirty="0">
-                <a:solidFill>
-                  <a:prstClr val="black"/>
-                </a:solidFill>
-              </a:rPr>
-              <a:t>Matthew </a:t>
-            </a:r>
-            <a:r>
-              <a:rPr lang="en-US" altLang="zh-CN" sz="3200" i="1" dirty="0" err="1">
-                <a:solidFill>
-                  <a:prstClr val="black"/>
-                </a:solidFill>
-              </a:rPr>
-              <a:t>Schnur</a:t>
-            </a:r>
-            <a:r>
-              <a:rPr lang="zh-CN" altLang="zh-CN" sz="3200" i="1" dirty="0">
-                <a:solidFill>
-                  <a:prstClr val="black"/>
-                </a:solidFill>
-              </a:rPr>
+              <a:rPr kumimoji="1" lang="en-US" altLang="zh-CN" sz="3200" i="1" dirty="0" smtClean="0"/>
+              <a:t>The</a:t>
+            </a:r>
+            <a:r>
+              <a:rPr kumimoji="1" lang="zh-CN" altLang="en-US" sz="3200" i="1" dirty="0" smtClean="0"/>
               <a:t> </a:t>
             </a:r>
             <a:r>
-              <a:rPr lang="en-US" altLang="zh-CN" sz="3200" i="1" dirty="0">
-                <a:solidFill>
-                  <a:prstClr val="black"/>
-                </a:solidFill>
-              </a:rPr>
-              <a:t>(Developer)</a:t>
-            </a:r>
-          </a:p>
-          <a:p>
-            <a:pPr marL="463550" lvl="0" indent="-463550">
-              <a:spcBef>
-                <a:spcPts val="2000"/>
-              </a:spcBef>
-              <a:buBlip>
-                <a:blip r:embed="rId2"/>
-              </a:buBlip>
+              <a:rPr kumimoji="1" lang="en-US" altLang="zh-CN" sz="3200" i="1" dirty="0" smtClean="0"/>
+              <a:t>Challenges</a:t>
+            </a:r>
+            <a:r>
+              <a:rPr kumimoji="1" lang="zh-CN" altLang="en-US" sz="3200" i="1" dirty="0" smtClean="0"/>
+              <a:t>,</a:t>
+            </a:r>
+            <a:r>
+              <a:rPr kumimoji="1" lang="en-US" altLang="zh-CN" sz="3200" i="1" dirty="0" smtClean="0"/>
+              <a:t>choices</a:t>
+            </a:r>
+            <a:r>
+              <a:rPr kumimoji="1" lang="zh-CN" altLang="en-US" sz="3200" i="1" dirty="0"/>
+              <a:t> </a:t>
+            </a:r>
+            <a:r>
+              <a:rPr kumimoji="1" lang="en-US" altLang="zh-CN" sz="3200" i="1" dirty="0" smtClean="0"/>
+              <a:t>and</a:t>
+            </a:r>
+            <a:r>
+              <a:rPr kumimoji="1" lang="zh-CN" altLang="en-US" sz="3200" i="1" dirty="0" smtClean="0"/>
+              <a:t> </a:t>
+            </a:r>
+            <a:r>
+              <a:rPr kumimoji="1" lang="en-US" altLang="zh-CN" sz="3200" i="1" dirty="0" smtClean="0"/>
+              <a:t>trade-offs</a:t>
+            </a:r>
+          </a:p>
+          <a:p>
+            <a:pPr>
+              <a:buFont typeface="Wingdings" charset="2"/>
+              <a:buChar char="p"/>
             </a:pPr>
             <a:r>
-              <a:rPr lang="en-US" altLang="zh-CN" sz="3200" i="1" dirty="0" err="1">
-                <a:solidFill>
-                  <a:prstClr val="black"/>
-                </a:solidFill>
-              </a:rPr>
-              <a:t>Arjun</a:t>
-            </a:r>
-            <a:r>
-              <a:rPr lang="en-US" altLang="zh-CN" sz="3200" i="1" dirty="0">
-                <a:solidFill>
-                  <a:prstClr val="black"/>
-                </a:solidFill>
-              </a:rPr>
-              <a:t> Mukherjee</a:t>
-            </a:r>
-            <a:r>
-              <a:rPr lang="zh-CN" altLang="en-US" sz="3200" i="1" dirty="0">
-                <a:solidFill>
-                  <a:prstClr val="black"/>
-                </a:solidFill>
-              </a:rPr>
+              <a:rPr kumimoji="1" lang="en-US" altLang="zh-CN" sz="3200" i="1" dirty="0" smtClean="0"/>
+              <a:t>Live</a:t>
+            </a:r>
+            <a:r>
+              <a:rPr kumimoji="1" lang="zh-CN" altLang="en-US" sz="3200" i="1" dirty="0" smtClean="0"/>
               <a:t> </a:t>
             </a:r>
             <a:r>
-              <a:rPr lang="en-US" altLang="zh-CN" sz="3200" i="1" dirty="0">
-                <a:solidFill>
-                  <a:prstClr val="black"/>
-                </a:solidFill>
-              </a:rPr>
-              <a:t>(Tester)</a:t>
-            </a:r>
-          </a:p>
-          <a:p>
-            <a:pPr marL="463550" lvl="0" indent="-463550">
-              <a:spcBef>
-                <a:spcPts val="2000"/>
-              </a:spcBef>
-              <a:buBlip>
-                <a:blip r:embed="rId2"/>
-              </a:buBlip>
+              <a:rPr kumimoji="1" lang="en-US" altLang="zh-CN" sz="3200" i="1" dirty="0" smtClean="0"/>
+              <a:t>demonstration</a:t>
+            </a:r>
+          </a:p>
+          <a:p>
+            <a:pPr>
+              <a:buFont typeface="Wingdings" charset="2"/>
+              <a:buChar char="p"/>
             </a:pPr>
             <a:r>
-              <a:rPr lang="en-US" altLang="zh-CN" sz="3200" i="1" dirty="0">
-                <a:solidFill>
-                  <a:prstClr val="black"/>
-                </a:solidFill>
-              </a:rPr>
-              <a:t>Mengqi Wu</a:t>
-            </a:r>
-            <a:r>
-              <a:rPr lang="zh-CN" altLang="zh-CN" sz="3200" i="1" dirty="0">
-                <a:solidFill>
-                  <a:prstClr val="black"/>
-                </a:solidFill>
-              </a:rPr>
+              <a:rPr kumimoji="1" lang="en-US" altLang="zh-CN" sz="3200" i="1" dirty="0" smtClean="0"/>
+              <a:t>The</a:t>
+            </a:r>
+            <a:r>
+              <a:rPr kumimoji="1" lang="zh-CN" altLang="en-US" sz="3200" i="1" dirty="0" smtClean="0"/>
               <a:t> </a:t>
             </a:r>
             <a:r>
-              <a:rPr lang="en-US" altLang="zh-CN" sz="3200" i="1" dirty="0">
-                <a:solidFill>
-                  <a:prstClr val="black"/>
-                </a:solidFill>
-              </a:rPr>
-              <a:t>(Project</a:t>
-            </a:r>
-            <a:r>
-              <a:rPr lang="zh-CN" altLang="en-US" sz="3200" i="1" dirty="0">
-                <a:solidFill>
-                  <a:prstClr val="black"/>
-                </a:solidFill>
-              </a:rPr>
-              <a:t> </a:t>
-            </a:r>
-            <a:r>
-              <a:rPr lang="en-US" altLang="zh-CN" sz="3200" i="1" dirty="0">
-                <a:solidFill>
-                  <a:prstClr val="black"/>
-                </a:solidFill>
-              </a:rPr>
-              <a:t>Manager</a:t>
-            </a:r>
-            <a:r>
-              <a:rPr lang="zh-CN" altLang="en-US" sz="3200" i="1" dirty="0">
-                <a:solidFill>
-                  <a:prstClr val="black"/>
-                </a:solidFill>
-              </a:rPr>
-              <a:t>)</a:t>
-            </a:r>
-            <a:endParaRPr kumimoji="1" lang="zh-CN" altLang="en-US" sz="3200" i="1" dirty="0">
-              <a:solidFill>
-                <a:prstClr val="black"/>
-              </a:solidFill>
-            </a:endParaRPr>
-          </a:p>
+              <a:rPr kumimoji="1" lang="en-US" altLang="zh-CN" sz="3200" i="1" dirty="0" smtClean="0"/>
+              <a:t>solutions</a:t>
+            </a:r>
+            <a:endParaRPr kumimoji="1" lang="zh-CN" altLang="en-US" sz="3200" i="1" dirty="0"/>
+          </a:p>
+        </p:txBody>
+      </p:sp>
+      <p:sp>
+        <p:nvSpPr>
+          <p:cNvPr id="4" name="文本框 3"/>
+          <p:cNvSpPr txBox="1"/>
+          <p:nvPr/>
+        </p:nvSpPr>
+        <p:spPr>
+          <a:xfrm>
+            <a:off x="1904915" y="1367530"/>
+            <a:ext cx="184666" cy="369332"/>
+          </a:xfrm>
+          <a:prstGeom prst="rect">
+            <a:avLst/>
+          </a:prstGeom>
+          <a:noFill/>
+        </p:spPr>
+        <p:txBody>
+          <a:bodyPr wrap="none" rtlCol="0">
+            <a:spAutoFit/>
+          </a:bodyPr>
+          <a:lstStyle/>
           <a:p>
             <a:endParaRPr kumimoji="1" lang="zh-CN" altLang="en-US" dirty="0"/>
           </a:p>
@@ -9197,7 +8819,7 @@
     </p:spTree>
     <p:extLst>
       <p:ext uri="{BB962C8B-B14F-4D97-AF65-F5344CB8AC3E}">
-        <p14:creationId xmlns:p14="http://schemas.microsoft.com/office/powerpoint/2010/main" val="2953447022"/>
+        <p14:creationId xmlns:p14="http://schemas.microsoft.com/office/powerpoint/2010/main" val="486664712"/>
       </p:ext>
     </p:extLst>
   </p:cSld>
@@ -9254,7 +8876,15 @@
             <a:pPr algn="r"/>
             <a:r>
               <a:rPr kumimoji="1" lang="en-US" altLang="zh-CN" sz="6600" b="1" dirty="0" smtClean="0"/>
-              <a:t>Outline</a:t>
+              <a:t>The</a:t>
+            </a:r>
+            <a:r>
+              <a:rPr kumimoji="1" lang="zh-CN" altLang="en-US" sz="6600" b="1" dirty="0" smtClean="0"/>
+              <a:t> </a:t>
+            </a:r>
+            <a:r>
+              <a:rPr kumimoji="1" lang="en-US" altLang="zh-CN" sz="6600" b="1" dirty="0" smtClean="0"/>
+              <a:t>Customer</a:t>
             </a:r>
             <a:endParaRPr kumimoji="1" lang="zh-CN" altLang="en-US" sz="6600" b="1" dirty="0"/>
           </a:p>
@@ -9284,18 +8914,30 @@
           <a:p>
             <a:pPr>
               <a:buFont typeface="Wingdings" charset="2"/>
-              <a:buChar char="p"/>
+              <a:buChar char="n"/>
             </a:pPr>
             <a:r>
-              <a:rPr kumimoji="1" lang="en-US" altLang="zh-CN" sz="3200" i="1" dirty="0" smtClean="0"/>
+              <a:rPr kumimoji="1" lang="en-US" altLang="zh-CN" sz="3200" b="1" i="1" dirty="0" smtClean="0">
+                <a:solidFill>
+                  <a:srgbClr val="000000"/>
+                </a:solidFill>
+              </a:rPr>
               <a:t>The</a:t>
             </a:r>
             <a:r>
-              <a:rPr kumimoji="1" lang="zh-CN" altLang="en-US" sz="3200" i="1" dirty="0" smtClean="0"/>
+              <a:rPr kumimoji="1" lang="zh-CN" altLang="en-US" sz="3200" b="1" i="1" dirty="0" smtClean="0">
+                <a:solidFill>
+                  <a:srgbClr val="000000"/>
+                </a:solidFill>
+              </a:rPr>
               <a:t> </a:t>
             </a:r>
             <a:r>
-              <a:rPr kumimoji="1" lang="en-US" altLang="zh-CN" sz="3200" i="1" dirty="0" smtClean="0"/>
+              <a:rPr kumimoji="1" lang="en-US" altLang="zh-CN" sz="3200" b="1" i="1" dirty="0" smtClean="0">
+                <a:solidFill>
+                  <a:srgbClr val="000000"/>
+                </a:solidFill>
+              </a:rPr>
               <a:t>Customer</a:t>
             </a:r>
           </a:p>
@@ -9305,15 +8947,27 @@
               <a:buChar char="p"/>
             </a:pPr>
             <a:r>
-              <a:rPr kumimoji="1" lang="en-US" altLang="zh-CN" sz="3200" i="1" dirty="0" smtClean="0"/>
+              <a:rPr kumimoji="1" lang="en-US" altLang="zh-CN" sz="3200" i="1" dirty="0" smtClean="0">
+                <a:solidFill>
+                  <a:srgbClr val="70684D"/>
+                </a:solidFill>
+              </a:rPr>
               <a:t>The</a:t>
             </a:r>
             <a:r>
-              <a:rPr kumimoji="1" lang="zh-CN" altLang="en-US" sz="3200" i="1" dirty="0" smtClean="0"/>
+              <a:rPr kumimoji="1" lang="zh-CN" altLang="en-US" sz="3200" i="1" dirty="0" smtClean="0">
+                <a:solidFill>
+                  <a:srgbClr val="70684D"/>
+                </a:solidFill>
+              </a:rPr>
               <a:t> </a:t>
             </a:r>
             <a:r>
-              <a:rPr kumimoji="1" lang="en-US" altLang="zh-CN" sz="3200" i="1" dirty="0" smtClean="0"/>
+              <a:rPr kumimoji="1" lang="en-US" altLang="zh-CN" sz="3200" i="1" dirty="0" smtClean="0">
+                <a:solidFill>
+                  <a:srgbClr val="70684D"/>
+                </a:solidFill>
+              </a:rPr>
               <a:t>translation</a:t>
             </a:r>
           </a:p>
@@ -9323,39 +8977,75 @@
               <a:buChar char="p"/>
             </a:pPr>
             <a:r>
-              <a:rPr kumimoji="1" lang="en-US" altLang="zh-CN" sz="3200" i="1" dirty="0" smtClean="0"/>
+              <a:rPr kumimoji="1" lang="en-US" altLang="zh-CN" sz="3200" i="1" dirty="0" smtClean="0">
+                <a:solidFill>
+                  <a:srgbClr val="70684D"/>
+                </a:solidFill>
+              </a:rPr>
               <a:t>The</a:t>
             </a:r>
             <a:r>
-              <a:rPr kumimoji="1" lang="zh-CN" altLang="en-US" sz="3200" i="1" dirty="0" smtClean="0"/>
+              <a:rPr kumimoji="1" lang="zh-CN" altLang="en-US" sz="3200" i="1" dirty="0" smtClean="0">
+                <a:solidFill>
+                  <a:srgbClr val="70684D"/>
+                </a:solidFill>
+              </a:rPr>
               <a:t> </a:t>
             </a:r>
             <a:r>
-              <a:rPr kumimoji="1" lang="en-US" altLang="zh-CN" sz="3200" i="1" dirty="0" smtClean="0"/>
+              <a:rPr kumimoji="1" lang="en-US" altLang="zh-CN" sz="3200" i="1" dirty="0" smtClean="0">
+                <a:solidFill>
+                  <a:srgbClr val="70684D"/>
+                </a:solidFill>
+              </a:rPr>
               <a:t>Challenges</a:t>
             </a:r>
             <a:r>
-              <a:rPr kumimoji="1" lang="zh-CN" altLang="en-US" sz="3200" i="1" dirty="0" smtClean="0"/>
+              <a:rPr kumimoji="1" lang="zh-CN" altLang="en-US" sz="3200" i="1" dirty="0" smtClean="0">
+                <a:solidFill>
+                  <a:srgbClr val="70684D"/>
+                </a:solidFill>
+              </a:rPr>
               <a:t>,</a:t>
             </a:r>
             <a:r>
-              <a:rPr kumimoji="1" lang="en-US" altLang="zh-CN" sz="3200" i="1" dirty="0" smtClean="0"/>
+              <a:rPr kumimoji="1" lang="en-US" altLang="zh-CN" sz="3200" i="1" dirty="0" smtClean="0">
+                <a:solidFill>
+                  <a:srgbClr val="70684D"/>
+                </a:solidFill>
+              </a:rPr>
               <a:t>choices</a:t>
             </a:r>
             <a:r>
-              <a:rPr kumimoji="1" lang="zh-CN" altLang="en-US" sz="3200" i="1" dirty="0"/>
+              <a:rPr kumimoji="1" lang="zh-CN" altLang="en-US" sz="3200" i="1" dirty="0">
+                <a:solidFill>
+                  <a:srgbClr val="70684D"/>
+                </a:solidFill>
+              </a:rPr>
               <a:t> </a:t>
             </a:r>
             <a:r>
-              <a:rPr kumimoji="1" lang="en-US" altLang="zh-CN" sz="3200" i="1" dirty="0" smtClean="0"/>
+              <a:rPr kumimoji="1" lang="en-US" altLang="zh-CN" sz="3200" i="1" dirty="0" smtClean="0">
+                <a:solidFill>
+                  <a:srgbClr val="70684D"/>
+                </a:solidFill>
+              </a:rPr>
               <a:t>and</a:t>
             </a:r>
             <a:r>
-              <a:rPr kumimoji="1" lang="zh-CN" altLang="en-US" sz="3200" i="1" dirty="0" smtClean="0"/>
+              <a:rPr kumimoji="1" lang="zh-CN" altLang="en-US" sz="3200" i="1" dirty="0" smtClean="0">
+                <a:solidFill>
+                  <a:srgbClr val="70684D"/>
+                </a:solidFill>
+              </a:rPr>
               <a:t> </a:t>
             </a:r>
             <a:r>
-              <a:rPr kumimoji="1" lang="en-US" altLang="zh-CN" sz="3200" i="1" dirty="0" smtClean="0"/>
+              <a:rPr kumimoji="1" lang="en-US" altLang="zh-CN" sz="3200" i="1" dirty="0" smtClean="0">
+                <a:solidFill>
+                  <a:srgbClr val="70684D"/>
+                </a:solidFill>
+              </a:rPr>
               <a:t>trade-offs</a:t>
             </a:r>
           </a:p>
@@ -9365,15 +9055,27 @@
               <a:buChar char="p"/>
             </a:pPr>
             <a:r>
-              <a:rPr kumimoji="1" lang="en-US" altLang="zh-CN" sz="3200" i="1" dirty="0" smtClean="0"/>
+              <a:rPr kumimoji="1" lang="en-US" altLang="zh-CN" sz="3200" i="1" dirty="0" smtClean="0">
+                <a:solidFill>
+                  <a:srgbClr val="70684D"/>
+                </a:solidFill>
+              </a:rPr>
               <a:t>Live</a:t>
             </a:r>
             <a:r>
-              <a:rPr kumimoji="1" lang="zh-CN" altLang="en-US" sz="3200" i="1" dirty="0" smtClean="0"/>
+              <a:rPr kumimoji="1" lang="zh-CN" altLang="en-US" sz="3200" i="1" dirty="0" smtClean="0">
+                <a:solidFill>
+                  <a:srgbClr val="70684D"/>
+                </a:solidFill>
+              </a:rPr>
               <a:t> </a:t>
             </a:r>
             <a:r>
-              <a:rPr kumimoji="1" lang="en-US" altLang="zh-CN" sz="3200" i="1" dirty="0" smtClean="0"/>
+              <a:rPr kumimoji="1" lang="en-US" altLang="zh-CN" sz="3200" i="1" dirty="0" smtClean="0">
+                <a:solidFill>
+                  <a:srgbClr val="70684D"/>
+                </a:solidFill>
+              </a:rPr>
               <a:t>demonstration</a:t>
             </a:r>
           </a:p>
@@ -9383,18 +9085,34 @@
               <a:buChar char="p"/>
             </a:pPr>
             <a:r>
-              <a:rPr kumimoji="1" lang="en-US" altLang="zh-CN" sz="3200" i="1" dirty="0" smtClean="0"/>
+              <a:rPr kumimoji="1" lang="en-US" altLang="zh-CN" sz="3200" i="1" dirty="0" smtClean="0">
+                <a:solidFill>
+                  <a:srgbClr val="70684D"/>
+                </a:solidFill>
+              </a:rPr>
               <a:t>The</a:t>
             </a:r>
             <a:r>
-              <a:rPr kumimoji="1" lang="zh-CN" altLang="en-US" sz="3200" i="1" dirty="0" smtClean="0"/>
+              <a:rPr kumimoji="1" lang="zh-CN" altLang="en-US" sz="3200" i="1" dirty="0" smtClean="0">
+                <a:solidFill>
+                  <a:srgbClr val="70684D"/>
+                </a:solidFill>
+              </a:rPr>
               <a:t> </a:t>
             </a:r>
             <a:r>
-              <a:rPr kumimoji="1" lang="en-US" altLang="zh-CN" sz="3200" i="1" dirty="0" smtClean="0"/>
+              <a:rPr kumimoji="1" lang="en-US" altLang="zh-CN" sz="3200" i="1" dirty="0" smtClean="0">
+                <a:solidFill>
+                  <a:srgbClr val="70684D"/>
+                </a:solidFill>
+              </a:rPr>
               <a:t>solutions</a:t>
             </a:r>
-            <a:endParaRPr kumimoji="1" lang="zh-CN" altLang="en-US" sz="3200" i="1" dirty="0"/>
+            <a:endParaRPr kumimoji="1" lang="zh-CN" altLang="en-US" sz="3200" i="1" dirty="0">
+              <a:solidFill>
+                <a:srgbClr val="70684D"/>
+              </a:solidFill>
+            </a:endParaRPr>
           </a:p>
         </p:txBody>
       </p:sp>
@@ -9427,7 +9145,7 @@
     </p:spTree>
     <p:extLst>
       <p:ext uri="{BB962C8B-B14F-4D97-AF65-F5344CB8AC3E}">
-        <p14:creationId xmlns:p14="http://schemas.microsoft.com/office/powerpoint/2010/main" val="486664712"/>
+        <p14:creationId xmlns:p14="http://schemas.microsoft.com/office/powerpoint/2010/main" val="2675044124"/>
       </p:ext>
     </p:extLst>
   </p:cSld>
@@ -9492,7 +9210,7 @@
             </a:r>
             <a:r>
               <a:rPr kumimoji="1" lang="en-US" altLang="zh-CN" sz="6600" b="1" dirty="0" smtClean="0"/>
-              <a:t>Customer</a:t>
+              <a:t>Translation</a:t>
             </a:r>
             <a:endParaRPr kumimoji="1" lang="zh-CN" altLang="en-US" sz="6600" b="1" dirty="0"/>
           </a:p>
@@ -9522,61 +9240,53 @@
           <a:p>
             <a:pPr>
               <a:buFont typeface="Wingdings" charset="2"/>
+              <a:buChar char="ü"/>
+            </a:pPr>
+            <a:r>
+              <a:rPr kumimoji="1" lang="en-US" altLang="zh-CN" sz="3200" i="1" strike="sngStrike" dirty="0" smtClean="0">
+                <a:solidFill>
+                  <a:srgbClr val="D3C492"/>
+                </a:solidFill>
+              </a:rPr>
+              <a:t>The</a:t>
+            </a:r>
+            <a:r>
+              <a:rPr kumimoji="1" lang="zh-CN" altLang="en-US" sz="3200" i="1" strike="sngStrike" dirty="0" smtClean="0">
+                <a:solidFill>
+                  <a:srgbClr val="D3C492"/>
+                </a:solidFill>
+              </a:rPr>
+              <a:t> </a:t>
+            </a:r>
+            <a:r>
+              <a:rPr kumimoji="1" lang="en-US" altLang="zh-CN" sz="3200" i="1" strike="sngStrike" dirty="0" smtClean="0">
+                <a:solidFill>
+                  <a:srgbClr val="D3C492"/>
+                </a:solidFill>
+              </a:rPr>
+              <a:t>Customer</a:t>
+            </a:r>
+          </a:p>
+          <a:p>
+            <a:pPr>
+              <a:buFont typeface="Wingdings" charset="2"/>
               <a:buChar char="n"/>
             </a:pPr>
             <a:r>
-              <a:rPr kumimoji="1" lang="en-US" altLang="zh-CN" sz="3200" b="1" i="1" dirty="0" smtClean="0">
-                <a:solidFill>
-                  <a:srgbClr val="000000"/>
-                </a:solidFill>
-              </a:rPr>
+              <a:rPr kumimoji="1" lang="en-US" altLang="zh-CN" sz="3200" b="1" i="1" dirty="0" smtClean="0"/>
               <a:t>The</a:t>
             </a:r>
             <a:r>
-              <a:rPr kumimoji="1" lang="zh-CN" altLang="en-US" sz="3200" b="1" i="1" dirty="0" smtClean="0">
-                <a:solidFill>
-                  <a:srgbClr val="000000"/>
-                </a:solidFill>
-              </a:rPr>
+              <a:rPr kumimoji="1" lang="zh-CN" altLang="en-US" sz="3200" b="1" i="1" dirty="0" smtClean="0"/>
               <a:t> </a:t>
             </a:r>
             <a:r>
-              <a:rPr kumimoji="1" lang="en-US" altLang="zh-CN" sz="3200" b="1" i="1" dirty="0" smtClean="0">
-                <a:solidFill>
-                  <a:srgbClr val="000000"/>
-                </a:solidFill>
-              </a:rPr>
-              <a:t>Customer</a:t>
-            </a:r>
-          </a:p>
-          <a:p>
-            <a:pPr>
-              <a:buFont typeface="Wingdings" charset="2"/>
-              <a:buChar char="p"/>
-            </a:pPr>
-            <a:r>
-              <a:rPr kumimoji="1" lang="en-US" altLang="zh-CN" sz="3200" i="1" dirty="0" smtClean="0">
-                <a:solidFill>
-                  <a:srgbClr val="70684D"/>
-                </a:solidFill>
-              </a:rPr>
-              <a:t>The</a:t>
-            </a:r>
-            <a:r>
-              <a:rPr kumimoji="1" lang="zh-CN" altLang="en-US" sz="3200" i="1" dirty="0" smtClean="0">
-                <a:solidFill>
-                  <a:srgbClr val="70684D"/>
-                </a:solidFill>
-              </a:rPr>
-              <a:t> </a:t>
-            </a:r>
-            <a:r>
-              <a:rPr kumimoji="1" lang="en-US" altLang="zh-CN" sz="3200" i="1" dirty="0" smtClean="0">
-                <a:solidFill>
-                  <a:srgbClr val="70684D"/>
-                </a:solidFill>
-              </a:rPr>
-              <a:t>translation</a:t>
+              <a:rPr kumimoji="1" lang="en-US" altLang="zh-CN" sz="3200" b="1" i="1" dirty="0"/>
+              <a:t>T</a:t>
+            </a:r>
+            <a:r>
+              <a:rPr kumimoji="1" lang="en-US" altLang="zh-CN" sz="3200" b="1" i="1" dirty="0" smtClean="0"/>
+              <a:t>ranslation</a:t>
             </a:r>
           </a:p>
           <a:p>
@@ -9753,7 +9463,7 @@
     </p:spTree>
     <p:extLst>
       <p:ext uri="{BB962C8B-B14F-4D97-AF65-F5344CB8AC3E}">
-        <p14:creationId xmlns:p14="http://schemas.microsoft.com/office/powerpoint/2010/main" val="2675044124"/>
+        <p14:creationId xmlns:p14="http://schemas.microsoft.com/office/powerpoint/2010/main" val="2180832843"/>
       </p:ext>
     </p:extLst>
   </p:cSld>
@@ -9789,324 +9499,6 @@
       </p:grpSpPr>
       <p:sp>
         <p:nvSpPr>
-          <p:cNvPr id="2" name="标题 1"/>
-          <p:cNvSpPr>
-            <a:spLocks noGrp="1"/>
-          </p:cNvSpPr>
-          <p:nvPr>
-            <p:ph type="title"/>
-          </p:nvPr>
-        </p:nvSpPr>
-        <p:spPr>
-          <a:xfrm>
-            <a:off x="1188538" y="714880"/>
-            <a:ext cx="7039476" cy="868362"/>
-          </a:xfrm>
-        </p:spPr>
-        <p:txBody>
-          <a:bodyPr/>
-          <a:lstStyle/>
-          <a:p>
-            <a:pPr algn="r"/>
-            <a:r>
-              <a:rPr kumimoji="1" lang="en-US" altLang="zh-CN" sz="6600" b="1" dirty="0" smtClean="0"/>
-              <a:t>The</a:t>
-            </a:r>
-            <a:r>
-              <a:rPr kumimoji="1" lang="zh-CN" altLang="en-US" sz="6600" b="1" dirty="0" smtClean="0"/>
-              <a:t> </a:t>
-            </a:r>
-            <a:r>
-              <a:rPr kumimoji="1" lang="en-US" altLang="zh-CN" sz="6600" b="1" dirty="0" smtClean="0"/>
-              <a:t>Translation</a:t>
-            </a:r>
-            <a:endParaRPr kumimoji="1" lang="zh-CN" altLang="en-US" sz="6600" b="1" dirty="0"/>
-          </a:p>
-        </p:txBody>
-      </p:sp>
-      <p:sp>
-        <p:nvSpPr>
-          <p:cNvPr id="3" name="竖排文本占位符 2"/>
-          <p:cNvSpPr>
-            <a:spLocks noGrp="1"/>
-          </p:cNvSpPr>
-          <p:nvPr>
-            <p:ph type="body" orient="vert" idx="1"/>
-          </p:nvPr>
-        </p:nvSpPr>
-        <p:spPr>
-          <a:xfrm>
-            <a:off x="1188538" y="1937334"/>
-            <a:ext cx="7039476" cy="3853866"/>
-          </a:xfrm>
-        </p:spPr>
-        <p:txBody>
-          <a:bodyPr vert="horz">
-            <a:normAutofit/>
-          </a:bodyPr>
-          <a:lstStyle/>
-          <a:p>
-            <a:pPr>
-              <a:buFont typeface="Wingdings" charset="2"/>
-              <a:buChar char="ü"/>
-            </a:pPr>
-            <a:r>
-              <a:rPr kumimoji="1" lang="en-US" altLang="zh-CN" sz="3200" i="1" strike="sngStrike" dirty="0" smtClean="0">
-                <a:solidFill>
-                  <a:srgbClr val="D3C492"/>
-                </a:solidFill>
-              </a:rPr>
-              <a:t>The</a:t>
-            </a:r>
-            <a:r>
-              <a:rPr kumimoji="1" lang="zh-CN" altLang="en-US" sz="3200" i="1" strike="sngStrike" dirty="0" smtClean="0">
-                <a:solidFill>
-                  <a:srgbClr val="D3C492"/>
-                </a:solidFill>
-              </a:rPr>
-              <a:t> </a:t>
-            </a:r>
-            <a:r>
-              <a:rPr kumimoji="1" lang="en-US" altLang="zh-CN" sz="3200" i="1" strike="sngStrike" dirty="0" smtClean="0">
-                <a:solidFill>
-                  <a:srgbClr val="D3C492"/>
-                </a:solidFill>
-              </a:rPr>
-              <a:t>Customer</a:t>
-            </a:r>
-          </a:p>
-          <a:p>
-            <a:pPr>
-              <a:buFont typeface="Wingdings" charset="2"/>
-              <a:buChar char="n"/>
-            </a:pPr>
-            <a:r>
-              <a:rPr kumimoji="1" lang="en-US" altLang="zh-CN" sz="3200" b="1" i="1" dirty="0" smtClean="0"/>
-              <a:t>The</a:t>
-            </a:r>
-            <a:r>
-              <a:rPr kumimoji="1" lang="zh-CN" altLang="en-US" sz="3200" b="1" i="1" dirty="0" smtClean="0"/>
-              <a:t> </a:t>
-            </a:r>
-            <a:r>
-              <a:rPr kumimoji="1" lang="en-US" altLang="zh-CN" sz="3200" b="1" i="1" dirty="0"/>
-              <a:t>T</a:t>
-            </a:r>
-            <a:r>
-              <a:rPr kumimoji="1" lang="en-US" altLang="zh-CN" sz="3200" b="1" i="1" dirty="0" smtClean="0"/>
-              <a:t>ranslation</a:t>
-            </a:r>
-          </a:p>
-          <a:p>
-            <a:pPr>
-              <a:buFont typeface="Wingdings" charset="2"/>
-              <a:buChar char="p"/>
-            </a:pPr>
-            <a:r>
-              <a:rPr kumimoji="1" lang="en-US" altLang="zh-CN" sz="3200" i="1" dirty="0" smtClean="0">
-                <a:solidFill>
-                  <a:srgbClr val="70684D"/>
-                </a:solidFill>
-              </a:rPr>
-              <a:t>The</a:t>
-            </a:r>
-            <a:r>
-              <a:rPr kumimoji="1" lang="zh-CN" altLang="en-US" sz="3200" i="1" dirty="0" smtClean="0">
-                <a:solidFill>
-                  <a:srgbClr val="70684D"/>
-                </a:solidFill>
-              </a:rPr>
-              <a:t> </a:t>
-            </a:r>
-            <a:r>
-              <a:rPr kumimoji="1" lang="en-US" altLang="zh-CN" sz="3200" i="1" dirty="0" smtClean="0">
-                <a:solidFill>
-                  <a:srgbClr val="70684D"/>
-                </a:solidFill>
-              </a:rPr>
-              <a:t>Challenges</a:t>
-            </a:r>
-            <a:r>
-              <a:rPr kumimoji="1" lang="zh-CN" altLang="en-US" sz="3200" i="1" dirty="0" smtClean="0">
-                <a:solidFill>
-                  <a:srgbClr val="70684D"/>
-                </a:solidFill>
-              </a:rPr>
-              <a:t>,</a:t>
-            </a:r>
-            <a:r>
-              <a:rPr kumimoji="1" lang="en-US" altLang="zh-CN" sz="3200" i="1" dirty="0" smtClean="0">
-                <a:solidFill>
-                  <a:srgbClr val="70684D"/>
-                </a:solidFill>
-              </a:rPr>
-              <a:t>choices</a:t>
-            </a:r>
-            <a:r>
-              <a:rPr kumimoji="1" lang="zh-CN" altLang="en-US" sz="3200" i="1" dirty="0">
-                <a:solidFill>
-                  <a:srgbClr val="70684D"/>
-                </a:solidFill>
-              </a:rPr>
-              <a:t> </a:t>
-            </a:r>
-            <a:r>
-              <a:rPr kumimoji="1" lang="en-US" altLang="zh-CN" sz="3200" i="1" dirty="0" smtClean="0">
-                <a:solidFill>
-                  <a:srgbClr val="70684D"/>
-                </a:solidFill>
-              </a:rPr>
-              <a:t>and</a:t>
-            </a:r>
-            <a:r>
-              <a:rPr kumimoji="1" lang="zh-CN" altLang="en-US" sz="3200" i="1" dirty="0" smtClean="0">
-                <a:solidFill>
-                  <a:srgbClr val="70684D"/>
-                </a:solidFill>
-              </a:rPr>
-              <a:t> </a:t>
-            </a:r>
-            <a:r>
-              <a:rPr kumimoji="1" lang="en-US" altLang="zh-CN" sz="3200" i="1" dirty="0" smtClean="0">
-                <a:solidFill>
-                  <a:srgbClr val="70684D"/>
-                </a:solidFill>
-              </a:rPr>
-              <a:t>trade-offs</a:t>
-            </a:r>
-          </a:p>
-          <a:p>
-            <a:pPr>
-              <a:buFont typeface="Wingdings" charset="2"/>
-              <a:buChar char="p"/>
-            </a:pPr>
-            <a:r>
-              <a:rPr kumimoji="1" lang="en-US" altLang="zh-CN" sz="3200" i="1" dirty="0" smtClean="0">
-                <a:solidFill>
-                  <a:srgbClr val="70684D"/>
-                </a:solidFill>
-              </a:rPr>
-              <a:t>Live</a:t>
-            </a:r>
-            <a:r>
-              <a:rPr kumimoji="1" lang="zh-CN" altLang="en-US" sz="3200" i="1" dirty="0" smtClean="0">
-                <a:solidFill>
-                  <a:srgbClr val="70684D"/>
-                </a:solidFill>
-              </a:rPr>
-              <a:t> </a:t>
-            </a:r>
-            <a:r>
-              <a:rPr kumimoji="1" lang="en-US" altLang="zh-CN" sz="3200" i="1" dirty="0" smtClean="0">
-                <a:solidFill>
-                  <a:srgbClr val="70684D"/>
-                </a:solidFill>
-              </a:rPr>
-              <a:t>demonstration</a:t>
-            </a:r>
-          </a:p>
-          <a:p>
-            <a:pPr>
-              <a:buFont typeface="Wingdings" charset="2"/>
-              <a:buChar char="p"/>
-            </a:pPr>
-            <a:r>
-              <a:rPr kumimoji="1" lang="en-US" altLang="zh-CN" sz="3200" i="1" dirty="0" smtClean="0">
-                <a:solidFill>
-                  <a:srgbClr val="70684D"/>
-                </a:solidFill>
-              </a:rPr>
-              <a:t>The</a:t>
-            </a:r>
-            <a:r>
-              <a:rPr kumimoji="1" lang="zh-CN" altLang="en-US" sz="3200" i="1" dirty="0" smtClean="0">
-                <a:solidFill>
-                  <a:srgbClr val="70684D"/>
-                </a:solidFill>
-              </a:rPr>
-              <a:t> </a:t>
-            </a:r>
-            <a:r>
-              <a:rPr kumimoji="1" lang="en-US" altLang="zh-CN" sz="3200" i="1" dirty="0" smtClean="0">
-                <a:solidFill>
-                  <a:srgbClr val="70684D"/>
-                </a:solidFill>
-              </a:rPr>
-              <a:t>solutions</a:t>
-            </a:r>
-            <a:endParaRPr kumimoji="1" lang="zh-CN" altLang="en-US" sz="3200" i="1" dirty="0">
-              <a:solidFill>
-                <a:srgbClr val="70684D"/>
-              </a:solidFill>
-            </a:endParaRPr>
-          </a:p>
-        </p:txBody>
-      </p:sp>
-      <p:sp>
-        <p:nvSpPr>
-          <p:cNvPr id="4" name="文本框 3"/>
-          <p:cNvSpPr txBox="1"/>
-          <p:nvPr/>
-        </p:nvSpPr>
-        <p:spPr>
-          <a:xfrm>
-            <a:off x="1904915" y="1367530"/>
-            <a:ext cx="184666" cy="369332"/>
-          </a:xfrm>
-          <a:prstGeom prst="rect">
-            <a:avLst/>
-          </a:prstGeom>
-          <a:noFill/>
-        </p:spPr>
-        <p:txBody>
-          <a:bodyPr wrap="none" rtlCol="0">
-            <a:spAutoFit/>
-          </a:bodyPr>
-          <a:lstStyle/>
-          <a:p>
-            <a:endParaRPr kumimoji="1" lang="zh-CN" altLang="en-US" dirty="0"/>
-          </a:p>
-        </p:txBody>
-      </p:sp>
-    </p:spTree>
-    <p:extLst>
-      <p:ext uri="{BB962C8B-B14F-4D97-AF65-F5344CB8AC3E}">
-        <p14:creationId xmlns:p14="http://schemas.microsoft.com/office/powerpoint/2010/main" val="2180832843"/>
-      </p:ext>
-    </p:extLst>
-  </p:cSld>
-  <p:clrMapOvr>
-    <a:masterClrMapping/>
-  </p:clrMapOvr>
-  <p:timing>
-    <p:tnLst>
-      <p:par>
-        <p:cTn id="1" dur="indefinite" restart="never" nodeType="tmRoot"/>
-      </p:par>
-    </p:tnLst>
-  </p:timing>
-</p:sld>
-</file>
-
-<file path=ppt/slides/slide6.xml><?xml version="1.0" encoding="utf-8"?>
-<p:sld xmlns:a="http://schemas.openxmlformats.org/drawingml/2006/main" xmlns:r="http://schemas.openxmlformats.org/officeDocument/2006/relationships" xmlns:p="http://schemas.openxmlformats.org/presentationml/2006/main">
-  <p:cSld>
-    <p:spTree>
-      <p:nvGrpSpPr>
-        <p:cNvPr id="1" name=""/>
-        <p:cNvGrpSpPr/>
-        <p:nvPr/>
-      </p:nvGrpSpPr>
-      <p:grpSpPr>
-        <a:xfrm>
-          <a:off x="0" y="0"/>
-          <a:ext cx="0" cy="0"/>
-          <a:chOff x="0" y="0"/>
-          <a:chExt cx="0" cy="0"/>
-        </a:xfrm>
-      </p:grpSpPr>
-      <p:sp>
-        <p:nvSpPr>
           <p:cNvPr id="2" name="Title 1"/>
           <p:cNvSpPr>
             <a:spLocks noGrp="1"/>
@@ -10203,7 +9595,7 @@
 </p:sld>
 </file>
 
-<file path=ppt/slides/slide7.xml><?xml version="1.0" encoding="utf-8"?>
+<file path=ppt/slides/slide6.xml><?xml version="1.0" encoding="utf-8"?>
 <p:sld xmlns:a="http://schemas.openxmlformats.org/drawingml/2006/main" xmlns:r="http://schemas.openxmlformats.org/officeDocument/2006/relationships" xmlns:p="http://schemas.openxmlformats.org/presentationml/2006/main">
   <p:cSld>
     <p:spTree>
@@ -10320,7 +9712,7 @@
 </p:sld>
 </file>
 
-<file path=ppt/slides/slide8.xml><?xml version="1.0" encoding="utf-8"?>
+<file path=ppt/slides/slide7.xml><?xml version="1.0" encoding="utf-8"?>
 <p:sld xmlns:a="http://schemas.openxmlformats.org/drawingml/2006/main" xmlns:r="http://schemas.openxmlformats.org/officeDocument/2006/relationships" xmlns:p="http://schemas.openxmlformats.org/presentationml/2006/main">
   <p:cSld>
     <p:spTree>
@@ -10437,6 +9829,320 @@
 </p:sld>
 </file>
 
+<file path=ppt/slides/slide8.xml><?xml version="1.0" encoding="utf-8"?>
+<p:sld xmlns:a="http://schemas.openxmlformats.org/drawingml/2006/main" xmlns:r="http://schemas.openxmlformats.org/officeDocument/2006/relationships" xmlns:p="http://schemas.openxmlformats.org/presentationml/2006/main">
+  <p:cSld>
+    <p:spTree>
+      <p:nvGrpSpPr>
+        <p:cNvPr id="1" name=""/>
+        <p:cNvGrpSpPr/>
+        <p:nvPr/>
+      </p:nvGrpSpPr>
+      <p:grpSpPr>
+        <a:xfrm>
+          <a:off x="0" y="0"/>
+          <a:ext cx="0" cy="0"/>
+          <a:chOff x="0" y="0"/>
+          <a:chExt cx="0" cy="0"/>
+        </a:xfrm>
+      </p:grpSpPr>
+      <p:sp>
+        <p:nvSpPr>
+          <p:cNvPr id="2" name="标题 1"/>
+          <p:cNvSpPr>
+            <a:spLocks noGrp="1"/>
+          </p:cNvSpPr>
+          <p:nvPr>
+            <p:ph type="title"/>
+          </p:nvPr>
+        </p:nvSpPr>
+        <p:spPr>
+          <a:xfrm>
+            <a:off x="1188538" y="714880"/>
+            <a:ext cx="7039476" cy="868362"/>
+          </a:xfrm>
+        </p:spPr>
+        <p:txBody>
+          <a:bodyPr/>
+          <a:lstStyle/>
+          <a:p>
+            <a:pPr algn="r"/>
+            <a:r>
+              <a:rPr kumimoji="1" lang="en-US" altLang="zh-CN" sz="3200" b="1" dirty="0" smtClean="0"/>
+              <a:t>The</a:t>
+            </a:r>
+            <a:r>
+              <a:rPr kumimoji="1" lang="zh-CN" altLang="en-US" sz="3200" b="1" dirty="0" smtClean="0"/>
+              <a:t> </a:t>
+            </a:r>
+            <a:r>
+              <a:rPr kumimoji="1" lang="en-US" altLang="zh-CN" sz="3200" b="1" dirty="0" smtClean="0"/>
+              <a:t>Challenges,</a:t>
+            </a:r>
+            <a:r>
+              <a:rPr kumimoji="1" lang="zh-CN" altLang="en-US" sz="3200" b="1" dirty="0" smtClean="0"/>
+              <a:t> </a:t>
+            </a:r>
+            <a:r>
+              <a:rPr kumimoji="1" lang="en-US" altLang="zh-CN" sz="3200" b="1" dirty="0" smtClean="0"/>
+              <a:t>Choices</a:t>
+            </a:r>
+            <a:r>
+              <a:rPr kumimoji="1" lang="zh-CN" altLang="en-US" sz="3200" b="1" dirty="0" smtClean="0"/>
+              <a:t> </a:t>
+            </a:r>
+            <a:r>
+              <a:rPr kumimoji="1" lang="en-US" altLang="zh-CN" sz="3200" b="1" dirty="0" smtClean="0"/>
+              <a:t>and</a:t>
+            </a:r>
+            <a:r>
+              <a:rPr kumimoji="1" lang="zh-CN" altLang="en-US" sz="3200" b="1" dirty="0" smtClean="0"/>
+              <a:t> </a:t>
+            </a:r>
+            <a:r>
+              <a:rPr kumimoji="1" lang="en-US" altLang="zh-CN" sz="3200" b="1" dirty="0" smtClean="0"/>
+              <a:t>Trade-offs</a:t>
+            </a:r>
+            <a:endParaRPr kumimoji="1" lang="zh-CN" altLang="en-US" sz="3200" b="1" dirty="0"/>
+          </a:p>
+        </p:txBody>
+      </p:sp>
+      <p:sp>
+        <p:nvSpPr>
+          <p:cNvPr id="3" name="竖排文本占位符 2"/>
+          <p:cNvSpPr>
+            <a:spLocks noGrp="1"/>
+          </p:cNvSpPr>
+          <p:nvPr>
+            <p:ph type="body" orient="vert" idx="1"/>
+          </p:nvPr>
+        </p:nvSpPr>
+        <p:spPr>
+          <a:xfrm>
+            <a:off x="1188538" y="1937334"/>
+            <a:ext cx="7039476" cy="3853866"/>
+          </a:xfrm>
+        </p:spPr>
+        <p:txBody>
+          <a:bodyPr vert="horz">
+            <a:normAutofit/>
+          </a:bodyPr>
+          <a:lstStyle/>
+          <a:p>
+            <a:pPr>
+              <a:buFont typeface="Wingdings" charset="2"/>
+              <a:buChar char="ü"/>
+            </a:pPr>
+            <a:r>
+              <a:rPr kumimoji="1" lang="en-US" altLang="zh-CN" sz="3200" i="1" strike="sngStrike" dirty="0" smtClean="0">
+                <a:solidFill>
+                  <a:srgbClr val="D3C492"/>
+                </a:solidFill>
+              </a:rPr>
+              <a:t>The</a:t>
+            </a:r>
+            <a:r>
+              <a:rPr kumimoji="1" lang="zh-CN" altLang="en-US" sz="3200" i="1" strike="sngStrike" dirty="0" smtClean="0">
+                <a:solidFill>
+                  <a:srgbClr val="D3C492"/>
+                </a:solidFill>
+              </a:rPr>
+              <a:t> </a:t>
+            </a:r>
+            <a:r>
+              <a:rPr kumimoji="1" lang="en-US" altLang="zh-CN" sz="3200" i="1" strike="sngStrike" dirty="0" smtClean="0">
+                <a:solidFill>
+                  <a:srgbClr val="D3C492"/>
+                </a:solidFill>
+              </a:rPr>
+              <a:t>Customer</a:t>
+            </a:r>
+          </a:p>
+          <a:p>
+            <a:pPr>
+              <a:buFont typeface="Wingdings" charset="2"/>
+              <a:buChar char="ü"/>
+            </a:pPr>
+            <a:r>
+              <a:rPr kumimoji="1" lang="en-US" altLang="zh-CN" sz="3200" i="1" strike="sngStrike" dirty="0" smtClean="0">
+                <a:solidFill>
+                  <a:srgbClr val="D3C492"/>
+                </a:solidFill>
+              </a:rPr>
+              <a:t>The</a:t>
+            </a:r>
+            <a:r>
+              <a:rPr kumimoji="1" lang="zh-CN" altLang="en-US" sz="3200" i="1" strike="sngStrike" dirty="0" smtClean="0">
+                <a:solidFill>
+                  <a:srgbClr val="D3C492"/>
+                </a:solidFill>
+              </a:rPr>
+              <a:t> </a:t>
+            </a:r>
+            <a:r>
+              <a:rPr kumimoji="1" lang="en-US" altLang="zh-CN" sz="3200" i="1" strike="sngStrike" dirty="0" smtClean="0">
+                <a:solidFill>
+                  <a:srgbClr val="D3C492"/>
+                </a:solidFill>
+              </a:rPr>
+              <a:t>translation</a:t>
+            </a:r>
+          </a:p>
+          <a:p>
+            <a:pPr>
+              <a:buFont typeface="Wingdings" charset="2"/>
+              <a:buChar char="n"/>
+            </a:pPr>
+            <a:r>
+              <a:rPr kumimoji="1" lang="en-US" altLang="zh-CN" sz="3200" b="1" i="1" dirty="0" smtClean="0"/>
+              <a:t>The</a:t>
+            </a:r>
+            <a:r>
+              <a:rPr kumimoji="1" lang="zh-CN" altLang="en-US" sz="3200" b="1" i="1" dirty="0" smtClean="0"/>
+              <a:t> </a:t>
+            </a:r>
+            <a:r>
+              <a:rPr kumimoji="1" lang="en-US" altLang="zh-CN" sz="3200" b="1" i="1" dirty="0" smtClean="0"/>
+              <a:t>Challenges</a:t>
+            </a:r>
+            <a:r>
+              <a:rPr kumimoji="1" lang="zh-CN" altLang="en-US" sz="3200" b="1" i="1" dirty="0" smtClean="0"/>
+              <a:t>,</a:t>
+            </a:r>
+            <a:r>
+              <a:rPr kumimoji="1" lang="en-US" altLang="zh-CN" sz="3200" b="1" i="1" dirty="0" smtClean="0"/>
+              <a:t>choices</a:t>
+            </a:r>
+            <a:r>
+              <a:rPr kumimoji="1" lang="zh-CN" altLang="en-US" sz="3200" b="1" i="1" dirty="0"/>
+              <a:t> </a:t>
+            </a:r>
+            <a:r>
+              <a:rPr kumimoji="1" lang="en-US" altLang="zh-CN" sz="3200" b="1" i="1" dirty="0" smtClean="0"/>
+              <a:t>and</a:t>
+            </a:r>
+            <a:r>
+              <a:rPr kumimoji="1" lang="zh-CN" altLang="en-US" sz="3200" b="1" i="1" dirty="0" smtClean="0"/>
+              <a:t> </a:t>
+            </a:r>
+            <a:r>
+              <a:rPr kumimoji="1" lang="en-US" altLang="zh-CN" sz="3200" b="1" i="1" dirty="0" smtClean="0"/>
+              <a:t>trade-offs</a:t>
+            </a:r>
+          </a:p>
+          <a:p>
+            <a:pPr>
+              <a:buFont typeface="Wingdings" charset="2"/>
+              <a:buChar char="p"/>
+            </a:pPr>
+            <a:r>
+              <a:rPr kumimoji="1" lang="en-US" altLang="zh-CN" sz="3200" i="1" dirty="0" smtClean="0">
+                <a:solidFill>
+                  <a:srgbClr val="70684D"/>
+                </a:solidFill>
+              </a:rPr>
+              <a:t>Live</a:t>
+            </a:r>
+            <a:r>
+              <a:rPr kumimoji="1" lang="zh-CN" altLang="en-US" sz="3200" i="1" dirty="0" smtClean="0">
+                <a:solidFill>
+                  <a:srgbClr val="70684D"/>
+                </a:solidFill>
+              </a:rPr>
+              <a:t> </a:t>
+            </a:r>
+            <a:r>
+              <a:rPr kumimoji="1" lang="en-US" altLang="zh-CN" sz="3200" i="1" dirty="0" smtClean="0">
+                <a:solidFill>
+                  <a:srgbClr val="70684D"/>
+                </a:solidFill>
+              </a:rPr>
+              <a:t>demonstration</a:t>
+            </a:r>
+          </a:p>
+          <a:p>
+            <a:pPr>
+              <a:buFont typeface="Wingdings" charset="2"/>
+              <a:buChar char="p"/>
+            </a:pPr>
+            <a:r>
+              <a:rPr kumimoji="1" lang="en-US" altLang="zh-CN" sz="3200" i="1" dirty="0" smtClean="0">
+                <a:solidFill>
+                  <a:srgbClr val="70684D"/>
+                </a:solidFill>
+              </a:rPr>
+              <a:t>The</a:t>
+            </a:r>
+            <a:r>
+              <a:rPr kumimoji="1" lang="zh-CN" altLang="en-US" sz="3200" i="1" dirty="0" smtClean="0">
+                <a:solidFill>
+                  <a:srgbClr val="70684D"/>
+                </a:solidFill>
+              </a:rPr>
+              <a:t> </a:t>
+            </a:r>
+            <a:r>
+              <a:rPr kumimoji="1" lang="en-US" altLang="zh-CN" sz="3200" i="1" dirty="0" smtClean="0">
+                <a:solidFill>
+                  <a:srgbClr val="70684D"/>
+                </a:solidFill>
+              </a:rPr>
+              <a:t>solutions</a:t>
+            </a:r>
+            <a:endParaRPr kumimoji="1" lang="zh-CN" altLang="en-US" sz="3200" i="1" dirty="0">
+              <a:solidFill>
+                <a:srgbClr val="70684D"/>
+              </a:solidFill>
+            </a:endParaRPr>
+          </a:p>
+        </p:txBody>
+      </p:sp>
+      <p:sp>
+        <p:nvSpPr>
+          <p:cNvPr id="4" name="文本框 3"/>
+          <p:cNvSpPr txBox="1"/>
+          <p:nvPr/>
+        </p:nvSpPr>
+        <p:spPr>
+          <a:xfrm>
+            <a:off x="1904915" y="1367530"/>
+            <a:ext cx="184666" cy="369332"/>
+          </a:xfrm>
+          <a:prstGeom prst="rect">
+            <a:avLst/>
+          </a:prstGeom>
+          <a:noFill/>
+        </p:spPr>
+        <p:txBody>
+          <a:bodyPr wrap="none" rtlCol="0">
+            <a:spAutoFit/>
+          </a:bodyPr>
+          <a:lstStyle/>
+          <a:p>
+            <a:endParaRPr kumimoji="1" lang="zh-CN" altLang="en-US" dirty="0"/>
+          </a:p>
+        </p:txBody>
+      </p:sp>
+    </p:spTree>
+    <p:extLst>
+      <p:ext uri="{BB962C8B-B14F-4D97-AF65-F5344CB8AC3E}">
+        <p14:creationId xmlns:p14="http://schemas.microsoft.com/office/powerpoint/2010/main" val="2180832843"/>
+      </p:ext>
+    </p:extLst>
+  </p:cSld>
+  <p:clrMapOvr>
+    <a:masterClrMapping/>
+  </p:clrMapOvr>
+  <p:timing>
+    <p:tnLst>
+      <p:par>
+        <p:cTn id="1" dur="indefinite" restart="never" nodeType="tmRoot"/>
+      </p:par>
+    </p:tnLst>
+  </p:timing>
+</p:sld>
+</file>
+
 <file path=ppt/slides/slide9.xml><?xml version="1.0" encoding="utf-8"?>
 <p:sld xmlns:a="http://schemas.openxmlformats.org/drawingml/2006/main" xmlns:r="http://schemas.openxmlformats.org/officeDocument/2006/relationships" xmlns:p="http://schemas.openxmlformats.org/presentationml/2006/main">
   <p:cSld>
@@ -10476,42 +10182,18 @@
           <a:p>
             <a:pPr algn="r"/>
             <a:r>
-              <a:rPr kumimoji="1" lang="en-US" altLang="zh-CN" sz="3200" b="1" dirty="0" smtClean="0"/>
-              <a:t>The</a:t>
-            </a:r>
-            <a:r>
-              <a:rPr kumimoji="1" lang="zh-CN" altLang="en-US" sz="3200" b="1" dirty="0" smtClean="0"/>
+              <a:rPr kumimoji="1" lang="en-US" altLang="zh-CN" sz="5400" b="1" dirty="0" smtClean="0"/>
+              <a:t>Live</a:t>
+            </a:r>
+            <a:r>
+              <a:rPr kumimoji="1" lang="zh-CN" altLang="en-US" sz="5400" b="1" dirty="0" smtClean="0"/>
               <a:t> </a:t>
             </a:r>
             <a:r>
-              <a:rPr kumimoji="1" lang="en-US" altLang="zh-CN" sz="3200" b="1" dirty="0" smtClean="0"/>
-              <a:t>Challenges,</a:t>
-            </a:r>
-            <a:r>
-              <a:rPr kumimoji="1" lang="zh-CN" altLang="en-US" sz="3200" b="1" dirty="0" smtClean="0"/>
-              <a:t> </a:t>
-            </a:r>
-            <a:r>
-              <a:rPr kumimoji="1" lang="en-US" altLang="zh-CN" sz="3200" b="1" dirty="0" smtClean="0"/>
-              <a:t>Choices</a:t>
-            </a:r>
-            <a:r>
-              <a:rPr kumimoji="1" lang="zh-CN" altLang="en-US" sz="3200" b="1" dirty="0" smtClean="0"/>
-              <a:t> </a:t>
-            </a:r>
-            <a:r>
-              <a:rPr kumimoji="1" lang="en-US" altLang="zh-CN" sz="3200" b="1" dirty="0" smtClean="0"/>
-              <a:t>and</a:t>
-            </a:r>
-            <a:r>
-              <a:rPr kumimoji="1" lang="zh-CN" altLang="en-US" sz="3200" b="1" dirty="0" smtClean="0"/>
-              <a:t> </a:t>
-            </a:r>
-            <a:r>
-              <a:rPr kumimoji="1" lang="en-US" altLang="zh-CN" sz="3200" b="1" dirty="0" smtClean="0"/>
-              <a:t>Trade-offs</a:t>
-            </a:r>
-            <a:endParaRPr kumimoji="1" lang="zh-CN" altLang="en-US" sz="3200" b="1" dirty="0"/>
+              <a:rPr kumimoji="1" lang="en-US" altLang="zh-CN" sz="5400" b="1" dirty="0" smtClean="0"/>
+              <a:t>Demonstration</a:t>
+            </a:r>
+            <a:endParaRPr kumimoji="1" lang="zh-CN" altLang="en-US" sz="5400" b="1" dirty="0"/>
           </a:p>
         </p:txBody>
       </p:sp>
@@ -10599,11 +10281,89 @@
           <a:p>
             <a:pPr>
               <a:buFont typeface="Wingdings" charset="2"/>
+              <a:buChar char="ü"/>
+            </a:pPr>
+            <a:r>
+              <a:rPr kumimoji="1" lang="en-US" altLang="zh-CN" sz="3200" i="1" strike="sngStrike" dirty="0" smtClean="0">
+                <a:solidFill>
+                  <a:srgbClr val="D3C492"/>
+                </a:solidFill>
+              </a:rPr>
+              <a:t>The</a:t>
+            </a:r>
+            <a:r>
+              <a:rPr kumimoji="1" lang="zh-CN" altLang="en-US" sz="3200" i="1" strike="sngStrike" dirty="0" smtClean="0">
+                <a:solidFill>
+                  <a:srgbClr val="D3C492"/>
+                </a:solidFill>
+              </a:rPr>
+              <a:t> </a:t>
+            </a:r>
+            <a:r>
+              <a:rPr kumimoji="1" lang="en-US" altLang="zh-CN" sz="3200" i="1" strike="sngStrike" dirty="0" smtClean="0">
+                <a:solidFill>
+                  <a:srgbClr val="D3C492"/>
+                </a:solidFill>
+              </a:rPr>
+              <a:t>Challenges</a:t>
+            </a:r>
+            <a:r>
+              <a:rPr kumimoji="1" lang="zh-CN" altLang="en-US" sz="3200" i="1" strike="sngStrike" dirty="0" smtClean="0">
+                <a:solidFill>
+                  <a:srgbClr val="D3C492"/>
+                </a:solidFill>
+              </a:rPr>
+              <a:t>,</a:t>
+            </a:r>
+            <a:r>
+              <a:rPr kumimoji="1" lang="en-US" altLang="zh-CN" sz="3200" i="1" strike="sngStrike" dirty="0" smtClean="0">
+                <a:solidFill>
+                  <a:srgbClr val="D3C492"/>
+                </a:solidFill>
+              </a:rPr>
+              <a:t>choices</a:t>
+            </a:r>
+            <a:r>
+              <a:rPr kumimoji="1" lang="zh-CN" altLang="en-US" sz="3200" i="1" strike="sngStrike" dirty="0">
+                <a:solidFill>
+                  <a:srgbClr val="D3C492"/>
+                </a:solidFill>
+              </a:rPr>
+              <a:t> </a:t>
+            </a:r>
+            <a:r>
+              <a:rPr kumimoji="1" lang="en-US" altLang="zh-CN" sz="3200" i="1" strike="sngStrike" dirty="0" smtClean="0">
+                <a:solidFill>
+                  <a:srgbClr val="D3C492"/>
+                </a:solidFill>
+              </a:rPr>
+              <a:t>and</a:t>
+            </a:r>
+            <a:r>
+              <a:rPr kumimoji="1" lang="zh-CN" altLang="en-US" sz="3200" i="1" strike="sngStrike" dirty="0" smtClean="0">
+                <a:solidFill>
+                  <a:srgbClr val="D3C492"/>
+                </a:solidFill>
+              </a:rPr>
+              <a:t> </a:t>
+            </a:r>
+            <a:r>
+              <a:rPr kumimoji="1" lang="en-US" altLang="zh-CN" sz="3200" i="1" strike="sngStrike" dirty="0" smtClean="0">
+                <a:solidFill>
+                  <a:srgbClr val="D3C492"/>
+                </a:solidFill>
+              </a:rPr>
+              <a:t>trade-offs</a:t>
+            </a:r>
+          </a:p>
+          <a:p>
+            <a:pPr>
+              <a:buFont typeface="Wingdings" charset="2"/>
               <a:buChar char="n"/>
             </a:pPr>
             <a:r>
               <a:rPr kumimoji="1" lang="en-US" altLang="zh-CN" sz="3200" b="1" i="1" dirty="0" smtClean="0"/>
-              <a:t>The</a:t>
+              <a:t>Live</a:t>
             </a:r>
             <a:r>
               <a:rPr kumimoji="1" lang="zh-CN" altLang="en-US" sz="3200" b="1" i="1" dirty="0" smtClean="0"/>
@@ -10611,60 +10371,6 @@
             </a:r>
             <a:r>
               <a:rPr kumimoji="1" lang="en-US" altLang="zh-CN" sz="3200" b="1" i="1" dirty="0" smtClean="0"/>
-              <a:t>Challenges</a:t>
-            </a:r>
-            <a:r>
-              <a:rPr kumimoji="1" lang="zh-CN" altLang="en-US" sz="3200" b="1" i="1" dirty="0" smtClean="0"/>
-              <a:t>,</a:t>
-            </a:r>
-            <a:r>
-              <a:rPr kumimoji="1" lang="en-US" altLang="zh-CN" sz="3200" b="1" i="1" dirty="0" smtClean="0"/>
-              <a:t>choices</a:t>
-            </a:r>
-            <a:r>
-              <a:rPr kumimoji="1" lang="zh-CN" altLang="en-US" sz="3200" b="1" i="1" dirty="0"/>
-              <a:t> </a:t>
-            </a:r>
-            <a:r>
-              <a:rPr kumimoji="1" lang="en-US" altLang="zh-CN" sz="3200" b="1" i="1" dirty="0" smtClean="0"/>
-              <a:t>and</a:t>
-            </a:r>
-            <a:r>
-              <a:rPr kumimoji="1" lang="zh-CN" altLang="en-US" sz="3200" b="1" i="1" dirty="0" smtClean="0"/>
-              <a:t> </a:t>
-            </a:r>
-            <a:r>
-              <a:rPr kumimoji="1" lang="en-US" altLang="zh-CN" sz="3200" b="1" i="1" dirty="0" smtClean="0"/>
-              <a:t>trade-offs</a:t>
-            </a:r>
-          </a:p>
-          <a:p>
-            <a:pPr>
-              <a:buFont typeface="Wingdings" charset="2"/>
-              <a:buChar char="p"/>
-            </a:pPr>
-            <a:r>
-              <a:rPr kumimoji="1" lang="en-US" altLang="zh-CN" sz="3200" i="1" dirty="0" smtClean="0">
-                <a:solidFill>
-                  <a:srgbClr val="70684D"/>
-                </a:solidFill>
-              </a:rPr>
-              <a:t>Live</a:t>
-            </a:r>
-            <a:r>
-              <a:rPr kumimoji="1" lang="zh-CN" altLang="en-US" sz="3200" i="1" dirty="0" smtClean="0">
-                <a:solidFill>
-                  <a:srgbClr val="70684D"/>
-                </a:solidFill>
-              </a:rPr>
-              <a:t> </a:t>
-            </a:r>
-            <a:r>
-              <a:rPr kumimoji="1" lang="en-US" altLang="zh-CN" sz="3200" i="1" dirty="0" smtClean="0">
-                <a:solidFill>
-                  <a:srgbClr val="70684D"/>
-                </a:solidFill>
-              </a:rPr>
               <a:t>demonstration</a:t>
             </a:r>
           </a:p>
